--- a/FrontEnd/화이팀_김이경.pptx
+++ b/FrontEnd/화이팀_김이경.pptx
@@ -6,10 +6,13 @@
   </p:sldMasterIdLst>
   <p:sldIdLst>
     <p:sldId id="259" r:id="rId2"/>
-    <p:sldId id="257" r:id="rId3"/>
-    <p:sldId id="256" r:id="rId4"/>
-    <p:sldId id="258" r:id="rId5"/>
-    <p:sldId id="260" r:id="rId6"/>
+    <p:sldId id="262" r:id="rId3"/>
+    <p:sldId id="263" r:id="rId4"/>
+    <p:sldId id="257" r:id="rId5"/>
+    <p:sldId id="256" r:id="rId6"/>
+    <p:sldId id="261" r:id="rId7"/>
+    <p:sldId id="258" r:id="rId8"/>
+    <p:sldId id="260" r:id="rId9"/>
   </p:sldIdLst>
   <p:sldSz cx="12192000" cy="6858000"/>
   <p:notesSz cx="6858000" cy="9144000"/>
@@ -247,7 +250,7 @@
           <a:p>
             <a:fld id="{A89995A6-D092-42A5-BBA5-01BDF2F4555B}" type="datetimeFigureOut">
               <a:rPr lang="ko-KR" altLang="en-US" smtClean="0"/>
-              <a:t>2022-12-28</a:t>
+              <a:t>2023-01-18</a:t>
             </a:fld>
             <a:endParaRPr lang="ko-KR" altLang="en-US"/>
           </a:p>
@@ -417,7 +420,7 @@
           <a:p>
             <a:fld id="{A89995A6-D092-42A5-BBA5-01BDF2F4555B}" type="datetimeFigureOut">
               <a:rPr lang="ko-KR" altLang="en-US" smtClean="0"/>
-              <a:t>2022-12-28</a:t>
+              <a:t>2023-01-18</a:t>
             </a:fld>
             <a:endParaRPr lang="ko-KR" altLang="en-US"/>
           </a:p>
@@ -597,7 +600,7 @@
           <a:p>
             <a:fld id="{A89995A6-D092-42A5-BBA5-01BDF2F4555B}" type="datetimeFigureOut">
               <a:rPr lang="ko-KR" altLang="en-US" smtClean="0"/>
-              <a:t>2022-12-28</a:t>
+              <a:t>2023-01-18</a:t>
             </a:fld>
             <a:endParaRPr lang="ko-KR" altLang="en-US"/>
           </a:p>
@@ -767,7 +770,7 @@
           <a:p>
             <a:fld id="{A89995A6-D092-42A5-BBA5-01BDF2F4555B}" type="datetimeFigureOut">
               <a:rPr lang="ko-KR" altLang="en-US" smtClean="0"/>
-              <a:t>2022-12-28</a:t>
+              <a:t>2023-01-18</a:t>
             </a:fld>
             <a:endParaRPr lang="ko-KR" altLang="en-US"/>
           </a:p>
@@ -1013,7 +1016,7 @@
           <a:p>
             <a:fld id="{A89995A6-D092-42A5-BBA5-01BDF2F4555B}" type="datetimeFigureOut">
               <a:rPr lang="ko-KR" altLang="en-US" smtClean="0"/>
-              <a:t>2022-12-28</a:t>
+              <a:t>2023-01-18</a:t>
             </a:fld>
             <a:endParaRPr lang="ko-KR" altLang="en-US"/>
           </a:p>
@@ -1245,7 +1248,7 @@
           <a:p>
             <a:fld id="{A89995A6-D092-42A5-BBA5-01BDF2F4555B}" type="datetimeFigureOut">
               <a:rPr lang="ko-KR" altLang="en-US" smtClean="0"/>
-              <a:t>2022-12-28</a:t>
+              <a:t>2023-01-18</a:t>
             </a:fld>
             <a:endParaRPr lang="ko-KR" altLang="en-US"/>
           </a:p>
@@ -1612,7 +1615,7 @@
           <a:p>
             <a:fld id="{A89995A6-D092-42A5-BBA5-01BDF2F4555B}" type="datetimeFigureOut">
               <a:rPr lang="ko-KR" altLang="en-US" smtClean="0"/>
-              <a:t>2022-12-28</a:t>
+              <a:t>2023-01-18</a:t>
             </a:fld>
             <a:endParaRPr lang="ko-KR" altLang="en-US"/>
           </a:p>
@@ -1730,7 +1733,7 @@
           <a:p>
             <a:fld id="{A89995A6-D092-42A5-BBA5-01BDF2F4555B}" type="datetimeFigureOut">
               <a:rPr lang="ko-KR" altLang="en-US" smtClean="0"/>
-              <a:t>2022-12-28</a:t>
+              <a:t>2023-01-18</a:t>
             </a:fld>
             <a:endParaRPr lang="ko-KR" altLang="en-US"/>
           </a:p>
@@ -1825,7 +1828,7 @@
           <a:p>
             <a:fld id="{A89995A6-D092-42A5-BBA5-01BDF2F4555B}" type="datetimeFigureOut">
               <a:rPr lang="ko-KR" altLang="en-US" smtClean="0"/>
-              <a:t>2022-12-28</a:t>
+              <a:t>2023-01-18</a:t>
             </a:fld>
             <a:endParaRPr lang="ko-KR" altLang="en-US"/>
           </a:p>
@@ -2102,7 +2105,7 @@
           <a:p>
             <a:fld id="{A89995A6-D092-42A5-BBA5-01BDF2F4555B}" type="datetimeFigureOut">
               <a:rPr lang="ko-KR" altLang="en-US" smtClean="0"/>
-              <a:t>2022-12-28</a:t>
+              <a:t>2023-01-18</a:t>
             </a:fld>
             <a:endParaRPr lang="ko-KR" altLang="en-US"/>
           </a:p>
@@ -2355,7 +2358,7 @@
           <a:p>
             <a:fld id="{A89995A6-D092-42A5-BBA5-01BDF2F4555B}" type="datetimeFigureOut">
               <a:rPr lang="ko-KR" altLang="en-US" smtClean="0"/>
-              <a:t>2022-12-28</a:t>
+              <a:t>2023-01-18</a:t>
             </a:fld>
             <a:endParaRPr lang="ko-KR" altLang="en-US"/>
           </a:p>
@@ -2568,7 +2571,7 @@
           <a:p>
             <a:fld id="{A89995A6-D092-42A5-BBA5-01BDF2F4555B}" type="datetimeFigureOut">
               <a:rPr lang="ko-KR" altLang="en-US" smtClean="0"/>
-              <a:t>2022-12-28</a:t>
+              <a:t>2023-01-18</a:t>
             </a:fld>
             <a:endParaRPr lang="ko-KR" altLang="en-US"/>
           </a:p>
@@ -3033,6 +3036,401 @@
           <a:chExt cx="0" cy="0"/>
         </a:xfrm>
       </p:grpSpPr>
+      <p:sp>
+        <p:nvSpPr>
+          <p:cNvPr id="4" name="TextBox 3"/>
+          <p:cNvSpPr txBox="1"/>
+          <p:nvPr/>
+        </p:nvSpPr>
+        <p:spPr>
+          <a:xfrm>
+            <a:off x="2713703" y="1671484"/>
+            <a:ext cx="1420582" cy="1477328"/>
+          </a:xfrm>
+          <a:prstGeom prst="rect">
+            <a:avLst/>
+          </a:prstGeom>
+          <a:noFill/>
+        </p:spPr>
+        <p:txBody>
+          <a:bodyPr wrap="none" rtlCol="0">
+            <a:spAutoFit/>
+          </a:bodyPr>
+          <a:lstStyle/>
+          <a:p>
+            <a:r>
+              <a:rPr lang="ko-KR" altLang="en-US" dirty="0" smtClean="0"/>
+              <a:t>자기소개</a:t>
+            </a:r>
+            <a:endParaRPr lang="en-US" altLang="ko-KR" dirty="0" smtClean="0"/>
+          </a:p>
+          <a:p>
+            <a:r>
+              <a:rPr lang="ko-KR" altLang="en-US" dirty="0" smtClean="0"/>
+              <a:t>일정</a:t>
+            </a:r>
+            <a:endParaRPr lang="en-US" altLang="ko-KR" dirty="0" smtClean="0"/>
+          </a:p>
+          <a:p>
+            <a:r>
+              <a:rPr lang="ko-KR" altLang="en-US" dirty="0" err="1" smtClean="0"/>
+              <a:t>사용기술</a:t>
+            </a:r>
+            <a:endParaRPr lang="en-US" altLang="ko-KR" dirty="0" smtClean="0"/>
+          </a:p>
+          <a:p>
+            <a:r>
+              <a:rPr lang="ko-KR" altLang="en-US" dirty="0" smtClean="0"/>
+              <a:t>사이트 구성</a:t>
+            </a:r>
+            <a:endParaRPr lang="en-US" altLang="ko-KR" dirty="0" smtClean="0"/>
+          </a:p>
+          <a:p>
+            <a:r>
+              <a:rPr lang="ko-KR" altLang="en-US" dirty="0" err="1" smtClean="0"/>
+              <a:t>코드리뷰</a:t>
+            </a:r>
+            <a:endParaRPr lang="en-US" altLang="ko-KR" dirty="0" smtClean="0"/>
+          </a:p>
+        </p:txBody>
+      </p:sp>
+      <p:sp>
+        <p:nvSpPr>
+          <p:cNvPr id="5" name="TextBox 4"/>
+          <p:cNvSpPr txBox="1"/>
+          <p:nvPr/>
+        </p:nvSpPr>
+        <p:spPr>
+          <a:xfrm>
+            <a:off x="2684206" y="1101213"/>
+            <a:ext cx="646331" cy="369332"/>
+          </a:xfrm>
+          <a:prstGeom prst="rect">
+            <a:avLst/>
+          </a:prstGeom>
+          <a:noFill/>
+        </p:spPr>
+        <p:txBody>
+          <a:bodyPr wrap="none" rtlCol="0">
+            <a:spAutoFit/>
+          </a:bodyPr>
+          <a:lstStyle/>
+          <a:p>
+            <a:r>
+              <a:rPr lang="ko-KR" altLang="en-US" dirty="0" smtClean="0"/>
+              <a:t>목차</a:t>
+            </a:r>
+            <a:endParaRPr lang="ko-KR" altLang="en-US" dirty="0"/>
+          </a:p>
+        </p:txBody>
+      </p:sp>
+    </p:spTree>
+    <p:extLst>
+      <p:ext uri="{BB962C8B-B14F-4D97-AF65-F5344CB8AC3E}">
+        <p14:creationId xmlns:p14="http://schemas.microsoft.com/office/powerpoint/2010/main" val="2366861635"/>
+      </p:ext>
+    </p:extLst>
+  </p:cSld>
+  <p:clrMapOvr>
+    <a:masterClrMapping/>
+  </p:clrMapOvr>
+</p:sld>
+</file>
+
+<file path=ppt/slides/slide3.xml><?xml version="1.0" encoding="utf-8"?>
+<p:sld xmlns:a="http://schemas.openxmlformats.org/drawingml/2006/main" xmlns:r="http://schemas.openxmlformats.org/officeDocument/2006/relationships" xmlns:p="http://schemas.openxmlformats.org/presentationml/2006/main">
+  <p:cSld>
+    <p:spTree>
+      <p:nvGrpSpPr>
+        <p:cNvPr id="1" name=""/>
+        <p:cNvGrpSpPr/>
+        <p:nvPr/>
+      </p:nvGrpSpPr>
+      <p:grpSpPr>
+        <a:xfrm>
+          <a:off x="0" y="0"/>
+          <a:ext cx="0" cy="0"/>
+          <a:chOff x="0" y="0"/>
+          <a:chExt cx="0" cy="0"/>
+        </a:xfrm>
+      </p:grpSpPr>
+      <p:sp>
+        <p:nvSpPr>
+          <p:cNvPr id="4" name="TextBox 3"/>
+          <p:cNvSpPr txBox="1"/>
+          <p:nvPr/>
+        </p:nvSpPr>
+        <p:spPr>
+          <a:xfrm>
+            <a:off x="4955458" y="1376516"/>
+            <a:ext cx="184731" cy="369332"/>
+          </a:xfrm>
+          <a:prstGeom prst="rect">
+            <a:avLst/>
+          </a:prstGeom>
+          <a:noFill/>
+        </p:spPr>
+        <p:txBody>
+          <a:bodyPr wrap="none" rtlCol="0">
+            <a:spAutoFit/>
+          </a:bodyPr>
+          <a:lstStyle/>
+          <a:p>
+            <a:endParaRPr lang="ko-KR" altLang="en-US" dirty="0"/>
+          </a:p>
+        </p:txBody>
+      </p:sp>
+      <p:sp>
+        <p:nvSpPr>
+          <p:cNvPr id="5" name="TextBox 4">
+            <a:extLst>
+              <a:ext uri="{FF2B5EF4-FFF2-40B4-BE49-F238E27FC236}">
+                <a16:creationId xmlns:a16="http://schemas.microsoft.com/office/drawing/2014/main" id="{7F832955-027F-40F4-AEB5-F4742CB6DFFD}"/>
+              </a:ext>
+            </a:extLst>
+          </p:cNvPr>
+          <p:cNvSpPr txBox="1"/>
+          <p:nvPr/>
+        </p:nvSpPr>
+        <p:spPr>
+          <a:xfrm>
+            <a:off x="5552901" y="1376516"/>
+            <a:ext cx="5509548" cy="1754326"/>
+          </a:xfrm>
+          <a:prstGeom prst="rect">
+            <a:avLst/>
+          </a:prstGeom>
+          <a:noFill/>
+        </p:spPr>
+        <p:txBody>
+          <a:bodyPr wrap="square" rtlCol="0">
+            <a:spAutoFit/>
+          </a:bodyPr>
+          <a:lstStyle/>
+          <a:p>
+            <a:pPr>
+              <a:lnSpc>
+                <a:spcPct val="150000"/>
+              </a:lnSpc>
+            </a:pPr>
+            <a:r>
+              <a:rPr lang="ko-KR" altLang="en-US" b="1" dirty="0">
+                <a:solidFill>
+                  <a:schemeClr val="accent6">
+                    <a:lumMod val="40000"/>
+                    <a:lumOff val="60000"/>
+                  </a:schemeClr>
+                </a:solidFill>
+              </a:rPr>
+              <a:t>이름 </a:t>
+            </a:r>
+            <a:r>
+              <a:rPr lang="en-US" altLang="ko-KR" b="1" dirty="0">
+                <a:solidFill>
+                  <a:schemeClr val="accent6">
+                    <a:lumMod val="40000"/>
+                    <a:lumOff val="60000"/>
+                  </a:schemeClr>
+                </a:solidFill>
+              </a:rPr>
+              <a:t>: </a:t>
+            </a:r>
+            <a:r>
+              <a:rPr lang="ko-KR" altLang="en-US" b="1" dirty="0" err="1" smtClean="0">
+                <a:solidFill>
+                  <a:schemeClr val="accent6">
+                    <a:lumMod val="40000"/>
+                    <a:lumOff val="60000"/>
+                  </a:schemeClr>
+                </a:solidFill>
+              </a:rPr>
+              <a:t>김이경</a:t>
+            </a:r>
+            <a:endParaRPr lang="en-US" altLang="ko-KR" b="1" dirty="0">
+              <a:solidFill>
+                <a:schemeClr val="accent6">
+                  <a:lumMod val="40000"/>
+                  <a:lumOff val="60000"/>
+                </a:schemeClr>
+              </a:solidFill>
+            </a:endParaRPr>
+          </a:p>
+          <a:p>
+            <a:pPr>
+              <a:lnSpc>
+                <a:spcPct val="150000"/>
+              </a:lnSpc>
+            </a:pPr>
+            <a:r>
+              <a:rPr lang="ko-KR" altLang="en-US" b="1" dirty="0">
+                <a:solidFill>
+                  <a:schemeClr val="accent6">
+                    <a:lumMod val="40000"/>
+                    <a:lumOff val="60000"/>
+                  </a:schemeClr>
+                </a:solidFill>
+              </a:rPr>
+              <a:t>나이 </a:t>
+            </a:r>
+            <a:r>
+              <a:rPr lang="en-US" altLang="ko-KR" b="1" dirty="0">
+                <a:solidFill>
+                  <a:schemeClr val="accent6">
+                    <a:lumMod val="40000"/>
+                    <a:lumOff val="60000"/>
+                  </a:schemeClr>
+                </a:solidFill>
+              </a:rPr>
+              <a:t>: </a:t>
+            </a:r>
+            <a:r>
+              <a:rPr lang="en-US" altLang="ko-KR" b="1" dirty="0" smtClean="0">
+                <a:solidFill>
+                  <a:schemeClr val="accent6">
+                    <a:lumMod val="40000"/>
+                    <a:lumOff val="60000"/>
+                  </a:schemeClr>
+                </a:solidFill>
+              </a:rPr>
+              <a:t>28</a:t>
+            </a:r>
+            <a:endParaRPr lang="en-US" altLang="ko-KR" b="1" dirty="0">
+              <a:solidFill>
+                <a:schemeClr val="accent6">
+                  <a:lumMod val="40000"/>
+                  <a:lumOff val="60000"/>
+                </a:schemeClr>
+              </a:solidFill>
+            </a:endParaRPr>
+          </a:p>
+          <a:p>
+            <a:pPr>
+              <a:lnSpc>
+                <a:spcPct val="150000"/>
+              </a:lnSpc>
+            </a:pPr>
+            <a:r>
+              <a:rPr lang="ko-KR" altLang="en-US" b="1" dirty="0">
+                <a:solidFill>
+                  <a:schemeClr val="accent6">
+                    <a:lumMod val="40000"/>
+                    <a:lumOff val="60000"/>
+                  </a:schemeClr>
+                </a:solidFill>
+              </a:rPr>
+              <a:t>전화번호 </a:t>
+            </a:r>
+            <a:r>
+              <a:rPr lang="en-US" altLang="ko-KR" b="1" dirty="0">
+                <a:solidFill>
+                  <a:schemeClr val="accent6">
+                    <a:lumMod val="40000"/>
+                    <a:lumOff val="60000"/>
+                  </a:schemeClr>
+                </a:solidFill>
+              </a:rPr>
+              <a:t>: </a:t>
+            </a:r>
+            <a:r>
+              <a:rPr lang="en-US" altLang="ko-KR" b="1" dirty="0" smtClean="0">
+                <a:solidFill>
+                  <a:schemeClr val="accent6">
+                    <a:lumMod val="40000"/>
+                    <a:lumOff val="60000"/>
+                  </a:schemeClr>
+                </a:solidFill>
+              </a:rPr>
+              <a:t>010-0000-0000</a:t>
+            </a:r>
+            <a:endParaRPr lang="en-US" altLang="ko-KR" b="1" dirty="0">
+              <a:solidFill>
+                <a:schemeClr val="accent6">
+                  <a:lumMod val="40000"/>
+                  <a:lumOff val="60000"/>
+                </a:schemeClr>
+              </a:solidFill>
+            </a:endParaRPr>
+          </a:p>
+          <a:p>
+            <a:pPr>
+              <a:lnSpc>
+                <a:spcPct val="150000"/>
+              </a:lnSpc>
+            </a:pPr>
+            <a:r>
+              <a:rPr lang="ko-KR" altLang="en-US" b="1" dirty="0">
+                <a:solidFill>
+                  <a:schemeClr val="accent6">
+                    <a:lumMod val="40000"/>
+                    <a:lumOff val="60000"/>
+                  </a:schemeClr>
+                </a:solidFill>
+              </a:rPr>
+              <a:t>이메일 </a:t>
+            </a:r>
+            <a:r>
+              <a:rPr lang="en-US" altLang="ko-KR" b="1" dirty="0">
+                <a:solidFill>
+                  <a:schemeClr val="accent6">
+                    <a:lumMod val="40000"/>
+                    <a:lumOff val="60000"/>
+                  </a:schemeClr>
+                </a:solidFill>
+              </a:rPr>
+              <a:t>: </a:t>
+            </a:r>
+            <a:r>
+              <a:rPr lang="en-US" altLang="ko-KR" b="1" dirty="0" smtClean="0">
+                <a:solidFill>
+                  <a:schemeClr val="accent6">
+                    <a:lumMod val="40000"/>
+                    <a:lumOff val="60000"/>
+                  </a:schemeClr>
+                </a:solidFill>
+              </a:rPr>
+              <a:t>0000@naver.com</a:t>
+            </a:r>
+            <a:endParaRPr lang="ko-KR" altLang="en-US" b="1" dirty="0">
+              <a:solidFill>
+                <a:schemeClr val="accent6">
+                  <a:lumMod val="40000"/>
+                  <a:lumOff val="60000"/>
+                </a:schemeClr>
+              </a:solidFill>
+            </a:endParaRPr>
+          </a:p>
+        </p:txBody>
+      </p:sp>
+    </p:spTree>
+    <p:extLst>
+      <p:ext uri="{BB962C8B-B14F-4D97-AF65-F5344CB8AC3E}">
+        <p14:creationId xmlns:p14="http://schemas.microsoft.com/office/powerpoint/2010/main" val="3970438013"/>
+      </p:ext>
+    </p:extLst>
+  </p:cSld>
+  <p:clrMapOvr>
+    <a:masterClrMapping/>
+  </p:clrMapOvr>
+</p:sld>
+</file>
+
+<file path=ppt/slides/slide4.xml><?xml version="1.0" encoding="utf-8"?>
+<p:sld xmlns:a="http://schemas.openxmlformats.org/drawingml/2006/main" xmlns:r="http://schemas.openxmlformats.org/officeDocument/2006/relationships" xmlns:p="http://schemas.openxmlformats.org/presentationml/2006/main">
+  <p:cSld>
+    <p:spTree>
+      <p:nvGrpSpPr>
+        <p:cNvPr id="1" name=""/>
+        <p:cNvGrpSpPr/>
+        <p:nvPr/>
+      </p:nvGrpSpPr>
+      <p:grpSpPr>
+        <a:xfrm>
+          <a:off x="0" y="0"/>
+          <a:ext cx="0" cy="0"/>
+          <a:chOff x="0" y="0"/>
+          <a:chExt cx="0" cy="0"/>
+        </a:xfrm>
+      </p:grpSpPr>
       <p:pic>
         <p:nvPicPr>
           <p:cNvPr id="4" name="그림 3" descr="텍스트, 구급 상자, 클립아트이(가) 표시된 사진&#10;&#10;자동 생성된 설명">
@@ -3459,7 +3857,7 @@
 </p:sld>
 </file>
 
-<file path=ppt/slides/slide3.xml><?xml version="1.0" encoding="utf-8"?>
+<file path=ppt/slides/slide5.xml><?xml version="1.0" encoding="utf-8"?>
 <p:sld xmlns:a="http://schemas.openxmlformats.org/drawingml/2006/main" xmlns:r="http://schemas.openxmlformats.org/officeDocument/2006/relationships" xmlns:p="http://schemas.openxmlformats.org/presentationml/2006/main">
   <p:cSld>
     <p:spTree>
@@ -4073,25 +4471,7 @@
                 </a:solidFill>
                 <a:latin typeface="+mn-ea"/>
               </a:rPr>
-              <a:t>사업자</a:t>
-            </a:r>
-            <a:r>
-              <a:rPr lang="ko-KR" altLang="en-US" sz="1600" dirty="0" smtClean="0">
-                <a:solidFill>
-                  <a:schemeClr val="tx1"/>
-                </a:solidFill>
-                <a:latin typeface="+mn-ea"/>
-              </a:rPr>
-              <a:t> </a:t>
-            </a:r>
-            <a:r>
-              <a:rPr lang="ko-KR" altLang="en-US" sz="1600" dirty="0" smtClean="0">
-                <a:solidFill>
-                  <a:schemeClr val="tx1"/>
-                </a:solidFill>
-                <a:latin typeface="+mn-ea"/>
-              </a:rPr>
-              <a:t>정보</a:t>
+              <a:t>사업자 정보</a:t>
             </a:r>
             <a:endParaRPr lang="ko-KR" altLang="en-US" sz="1600" dirty="0">
               <a:solidFill>
@@ -4804,18 +5184,7 @@
                     </a:schemeClr>
                   </a:solidFill>
                 </a:rPr>
-                <a:t>누르면 </a:t>
-              </a:r>
-              <a:r>
-                <a:rPr lang="ko-KR" altLang="en-US" sz="1100" dirty="0" smtClean="0">
-                  <a:solidFill>
-                    <a:schemeClr val="tx1">
-                      <a:lumMod val="65000"/>
-                      <a:lumOff val="35000"/>
-                    </a:schemeClr>
-                  </a:solidFill>
-                </a:rPr>
-                <a:t>로그인 </a:t>
+                <a:t>누르면 로그인 </a:t>
               </a:r>
               <a:r>
                 <a:rPr lang="en-US" altLang="ko-KR" sz="1100" dirty="0" smtClean="0">
@@ -5136,18 +5505,7 @@
                     </a:schemeClr>
                   </a:solidFill>
                 </a:rPr>
-                <a:t>누르면 </a:t>
-              </a:r>
-              <a:r>
-                <a:rPr lang="ko-KR" altLang="en-US" sz="1100" dirty="0" smtClean="0">
-                  <a:solidFill>
-                    <a:schemeClr val="tx1">
-                      <a:lumMod val="65000"/>
-                      <a:lumOff val="35000"/>
-                    </a:schemeClr>
-                  </a:solidFill>
-                </a:rPr>
-                <a:t>메인 페이지로 이동</a:t>
+                <a:t>누르면 메인 페이지로 이동</a:t>
               </a:r>
               <a:endParaRPr lang="ko-KR" altLang="en-US" sz="1100" dirty="0">
                 <a:solidFill>
@@ -5466,18 +5824,7 @@
                     </a:schemeClr>
                   </a:solidFill>
                 </a:rPr>
-                <a:t>누르면 </a:t>
-              </a:r>
-              <a:r>
-                <a:rPr lang="ko-KR" altLang="en-US" sz="1100" dirty="0" smtClean="0">
-                  <a:solidFill>
-                    <a:schemeClr val="tx1">
-                      <a:lumMod val="65000"/>
-                      <a:lumOff val="35000"/>
-                    </a:schemeClr>
-                  </a:solidFill>
-                </a:rPr>
-                <a:t>메인 페이지로 이동</a:t>
+                <a:t>누르면 메인 페이지로 이동</a:t>
               </a:r>
               <a:endParaRPr lang="en-US" altLang="ko-KR" sz="1100" dirty="0" smtClean="0">
                 <a:solidFill>
@@ -5794,18 +6141,7 @@
                     </a:schemeClr>
                   </a:solidFill>
                 </a:rPr>
-                <a:t>누르면 </a:t>
-              </a:r>
-              <a:r>
-                <a:rPr lang="ko-KR" altLang="en-US" sz="1100" dirty="0" smtClean="0">
-                  <a:solidFill>
-                    <a:schemeClr val="tx1">
-                      <a:lumMod val="65000"/>
-                      <a:lumOff val="35000"/>
-                    </a:schemeClr>
-                  </a:solidFill>
-                </a:rPr>
-                <a:t>이벤트 상품 판매 페이지로 이동</a:t>
+                <a:t>누르면 이벤트 상품 판매 페이지로 이동</a:t>
               </a:r>
               <a:endParaRPr lang="en-US" altLang="ko-KR" sz="1100" dirty="0">
                 <a:solidFill>
@@ -6067,18 +6403,7 @@
                     </a:schemeClr>
                   </a:solidFill>
                 </a:rPr>
-                <a:t>사업자 </a:t>
-              </a:r>
-              <a:r>
-                <a:rPr lang="ko-KR" altLang="en-US" sz="1100" dirty="0" smtClean="0">
-                  <a:solidFill>
-                    <a:schemeClr val="tx1">
-                      <a:lumMod val="65000"/>
-                      <a:lumOff val="35000"/>
-                    </a:schemeClr>
-                  </a:solidFill>
-                </a:rPr>
-                <a:t>정보 기재</a:t>
+                <a:t>사업자 정보 기재</a:t>
               </a:r>
               <a:endParaRPr lang="en-US" altLang="ko-KR" sz="1100" dirty="0" smtClean="0">
                 <a:solidFill>
@@ -6653,7 +6978,37 @@
 </p:sld>
 </file>
 
-<file path=ppt/slides/slide4.xml><?xml version="1.0" encoding="utf-8"?>
+<file path=ppt/slides/slide6.xml><?xml version="1.0" encoding="utf-8"?>
+<p:sld xmlns:a="http://schemas.openxmlformats.org/drawingml/2006/main" xmlns:r="http://schemas.openxmlformats.org/officeDocument/2006/relationships" xmlns:p="http://schemas.openxmlformats.org/presentationml/2006/main">
+  <p:cSld>
+    <p:spTree>
+      <p:nvGrpSpPr>
+        <p:cNvPr id="1" name=""/>
+        <p:cNvGrpSpPr/>
+        <p:nvPr/>
+      </p:nvGrpSpPr>
+      <p:grpSpPr>
+        <a:xfrm>
+          <a:off x="0" y="0"/>
+          <a:ext cx="0" cy="0"/>
+          <a:chOff x="0" y="0"/>
+          <a:chExt cx="0" cy="0"/>
+        </a:xfrm>
+      </p:grpSpPr>
+    </p:spTree>
+    <p:extLst>
+      <p:ext uri="{BB962C8B-B14F-4D97-AF65-F5344CB8AC3E}">
+        <p14:creationId xmlns:p14="http://schemas.microsoft.com/office/powerpoint/2010/main" val="2631184992"/>
+      </p:ext>
+    </p:extLst>
+  </p:cSld>
+  <p:clrMapOvr>
+    <a:masterClrMapping/>
+  </p:clrMapOvr>
+</p:sld>
+</file>
+
+<file path=ppt/slides/slide7.xml><?xml version="1.0" encoding="utf-8"?>
 <p:sld xmlns:a="http://schemas.openxmlformats.org/drawingml/2006/main" xmlns:r="http://schemas.openxmlformats.org/officeDocument/2006/relationships" xmlns:p="http://schemas.openxmlformats.org/presentationml/2006/main">
   <p:cSld>
     <p:spTree>
@@ -6684,8 +7039,8 @@
         </p:nvSpPr>
         <p:spPr>
           <a:xfrm>
-            <a:off x="874020" y="2082063"/>
-            <a:ext cx="7046818" cy="4388999"/>
+            <a:off x="874020" y="1294315"/>
+            <a:ext cx="7046818" cy="4880343"/>
           </a:xfrm>
           <a:prstGeom prst="rect">
             <a:avLst/>
@@ -6737,10 +7092,10 @@
       </p:sp>
       <p:sp>
         <p:nvSpPr>
-          <p:cNvPr id="117" name="직사각형 116">
+          <p:cNvPr id="5" name="직사각형 4">
             <a:extLst>
               <a:ext uri="{FF2B5EF4-FFF2-40B4-BE49-F238E27FC236}">
-                <a16:creationId xmlns:a16="http://schemas.microsoft.com/office/drawing/2014/main" id="{4FAFBB30-6FC3-4D66-8935-61E806DAB421}"/>
+                <a16:creationId xmlns:a16="http://schemas.microsoft.com/office/drawing/2014/main" id="{FE05BBF2-37A7-4E75-975E-30371C2C0EDE}"/>
               </a:ext>
             </a:extLst>
           </p:cNvPr>
@@ -6749,8 +7104,8 @@
         </p:nvSpPr>
         <p:spPr>
           <a:xfrm>
-            <a:off x="6084956" y="5147637"/>
-            <a:ext cx="1408191" cy="405341"/>
+            <a:off x="874020" y="642237"/>
+            <a:ext cx="7046818" cy="466292"/>
           </a:xfrm>
           <a:prstGeom prst="rect">
             <a:avLst/>
@@ -6790,156 +7145,6 @@
           <a:lstStyle/>
           <a:p>
             <a:pPr algn="ctr"/>
-            <a:r>
-              <a:rPr lang="en-US" altLang="ko-KR" dirty="0">
-                <a:solidFill>
-                  <a:prstClr val="white"/>
-                </a:solidFill>
-                <a:latin typeface="+mn-ea"/>
-                <a:ea typeface="+mn-ea"/>
-              </a:rPr>
-              <a:t>`</a:t>
-            </a:r>
-            <a:endParaRPr lang="ko-KR" altLang="en-US" dirty="0">
-              <a:solidFill>
-                <a:prstClr val="white"/>
-              </a:solidFill>
-              <a:latin typeface="+mn-ea"/>
-              <a:ea typeface="+mn-ea"/>
-            </a:endParaRPr>
-          </a:p>
-        </p:txBody>
-      </p:sp>
-      <p:sp>
-        <p:nvSpPr>
-          <p:cNvPr id="116" name="직사각형 115">
-            <a:extLst>
-              <a:ext uri="{FF2B5EF4-FFF2-40B4-BE49-F238E27FC236}">
-                <a16:creationId xmlns:a16="http://schemas.microsoft.com/office/drawing/2014/main" id="{4FAFBB30-6FC3-4D66-8935-61E806DAB421}"/>
-              </a:ext>
-            </a:extLst>
-          </p:cNvPr>
-          <p:cNvSpPr/>
-          <p:nvPr/>
-        </p:nvSpPr>
-        <p:spPr>
-          <a:xfrm>
-            <a:off x="3778465" y="5135607"/>
-            <a:ext cx="1408191" cy="405341"/>
-          </a:xfrm>
-          <a:prstGeom prst="rect">
-            <a:avLst/>
-          </a:prstGeom>
-          <a:solidFill>
-            <a:schemeClr val="bg1">
-              <a:lumMod val="95000"/>
-              <a:alpha val="70000"/>
-            </a:schemeClr>
-          </a:solidFill>
-          <a:ln w="9525">
-            <a:solidFill>
-              <a:schemeClr val="bg1">
-                <a:lumMod val="65000"/>
-              </a:schemeClr>
-            </a:solidFill>
-          </a:ln>
-        </p:spPr>
-        <p:style>
-          <a:lnRef idx="2">
-            <a:schemeClr val="accent1">
-              <a:shade val="50000"/>
-            </a:schemeClr>
-          </a:lnRef>
-          <a:fillRef idx="1">
-            <a:schemeClr val="accent1"/>
-          </a:fillRef>
-          <a:effectRef idx="0">
-            <a:schemeClr val="accent1"/>
-          </a:effectRef>
-          <a:fontRef idx="minor">
-            <a:schemeClr val="lt1"/>
-          </a:fontRef>
-        </p:style>
-        <p:txBody>
-          <a:bodyPr rtlCol="0" anchor="ctr"/>
-          <a:lstStyle/>
-          <a:p>
-            <a:pPr algn="ctr"/>
-            <a:r>
-              <a:rPr lang="en-US" altLang="ko-KR" dirty="0">
-                <a:solidFill>
-                  <a:prstClr val="white"/>
-                </a:solidFill>
-                <a:latin typeface="+mn-ea"/>
-                <a:ea typeface="+mn-ea"/>
-              </a:rPr>
-              <a:t>`</a:t>
-            </a:r>
-            <a:endParaRPr lang="ko-KR" altLang="en-US" dirty="0">
-              <a:solidFill>
-                <a:prstClr val="white"/>
-              </a:solidFill>
-              <a:latin typeface="+mn-ea"/>
-              <a:ea typeface="+mn-ea"/>
-            </a:endParaRPr>
-          </a:p>
-        </p:txBody>
-      </p:sp>
-      <p:sp>
-        <p:nvSpPr>
-          <p:cNvPr id="5" name="직사각형 4">
-            <a:extLst>
-              <a:ext uri="{FF2B5EF4-FFF2-40B4-BE49-F238E27FC236}">
-                <a16:creationId xmlns:a16="http://schemas.microsoft.com/office/drawing/2014/main" id="{FE05BBF2-37A7-4E75-975E-30371C2C0EDE}"/>
-              </a:ext>
-            </a:extLst>
-          </p:cNvPr>
-          <p:cNvSpPr/>
-          <p:nvPr/>
-        </p:nvSpPr>
-        <p:spPr>
-          <a:xfrm>
-            <a:off x="874020" y="642237"/>
-            <a:ext cx="7046818" cy="1353896"/>
-          </a:xfrm>
-          <a:prstGeom prst="rect">
-            <a:avLst/>
-          </a:prstGeom>
-          <a:solidFill>
-            <a:schemeClr val="bg1">
-              <a:lumMod val="95000"/>
-              <a:alpha val="70000"/>
-            </a:schemeClr>
-          </a:solidFill>
-          <a:ln w="9525">
-            <a:solidFill>
-              <a:schemeClr val="bg1">
-                <a:lumMod val="65000"/>
-              </a:schemeClr>
-            </a:solidFill>
-          </a:ln>
-        </p:spPr>
-        <p:style>
-          <a:lnRef idx="2">
-            <a:schemeClr val="accent1">
-              <a:shade val="50000"/>
-            </a:schemeClr>
-          </a:lnRef>
-          <a:fillRef idx="1">
-            <a:schemeClr val="accent1"/>
-          </a:fillRef>
-          <a:effectRef idx="0">
-            <a:schemeClr val="accent1"/>
-          </a:effectRef>
-          <a:fontRef idx="minor">
-            <a:schemeClr val="lt1"/>
-          </a:fontRef>
-        </p:style>
-        <p:txBody>
-          <a:bodyPr rtlCol="0" anchor="ctr"/>
-          <a:lstStyle/>
-          <a:p>
-            <a:pPr algn="ctr"/>
             <a:endParaRPr lang="ko-KR" altLang="en-US">
               <a:solidFill>
                 <a:prstClr val="white"/>
@@ -6950,385 +7155,6 @@
           </a:p>
         </p:txBody>
       </p:sp>
-      <p:sp>
-        <p:nvSpPr>
-          <p:cNvPr id="6" name="직사각형 5">
-            <a:extLst>
-              <a:ext uri="{FF2B5EF4-FFF2-40B4-BE49-F238E27FC236}">
-                <a16:creationId xmlns:a16="http://schemas.microsoft.com/office/drawing/2014/main" id="{FE05BBF2-37A7-4E75-975E-30371C2C0EDE}"/>
-              </a:ext>
-            </a:extLst>
-          </p:cNvPr>
-          <p:cNvSpPr/>
-          <p:nvPr/>
-        </p:nvSpPr>
-        <p:spPr>
-          <a:xfrm>
-            <a:off x="1134285" y="1191722"/>
-            <a:ext cx="6526283" cy="298971"/>
-          </a:xfrm>
-          <a:prstGeom prst="rect">
-            <a:avLst/>
-          </a:prstGeom>
-          <a:solidFill>
-            <a:schemeClr val="bg1">
-              <a:lumMod val="95000"/>
-              <a:alpha val="70000"/>
-            </a:schemeClr>
-          </a:solidFill>
-          <a:ln w="9525">
-            <a:solidFill>
-              <a:schemeClr val="bg1">
-                <a:lumMod val="65000"/>
-              </a:schemeClr>
-            </a:solidFill>
-          </a:ln>
-        </p:spPr>
-        <p:style>
-          <a:lnRef idx="2">
-            <a:schemeClr val="accent1">
-              <a:shade val="50000"/>
-            </a:schemeClr>
-          </a:lnRef>
-          <a:fillRef idx="1">
-            <a:schemeClr val="accent1"/>
-          </a:fillRef>
-          <a:effectRef idx="0">
-            <a:schemeClr val="accent1"/>
-          </a:effectRef>
-          <a:fontRef idx="minor">
-            <a:schemeClr val="lt1"/>
-          </a:fontRef>
-        </p:style>
-        <p:txBody>
-          <a:bodyPr rtlCol="0" anchor="ctr"/>
-          <a:lstStyle/>
-          <a:p>
-            <a:pPr algn="ctr"/>
-            <a:r>
-              <a:rPr lang="ko-KR" altLang="en-US" sz="1600" dirty="0" smtClean="0">
-                <a:solidFill>
-                  <a:schemeClr val="tx1"/>
-                </a:solidFill>
-                <a:latin typeface="+mn-ea"/>
-                <a:ea typeface="+mn-ea"/>
-              </a:rPr>
-              <a:t>로고</a:t>
-            </a:r>
-            <a:endParaRPr lang="ko-KR" altLang="en-US" sz="1600" dirty="0">
-              <a:solidFill>
-                <a:schemeClr val="tx1"/>
-              </a:solidFill>
-              <a:latin typeface="+mn-ea"/>
-              <a:ea typeface="+mn-ea"/>
-            </a:endParaRPr>
-          </a:p>
-        </p:txBody>
-      </p:sp>
-      <p:sp>
-        <p:nvSpPr>
-          <p:cNvPr id="7" name="직사각형 6">
-            <a:extLst>
-              <a:ext uri="{FF2B5EF4-FFF2-40B4-BE49-F238E27FC236}">
-                <a16:creationId xmlns:a16="http://schemas.microsoft.com/office/drawing/2014/main" id="{FE05BBF2-37A7-4E75-975E-30371C2C0EDE}"/>
-              </a:ext>
-            </a:extLst>
-          </p:cNvPr>
-          <p:cNvSpPr/>
-          <p:nvPr/>
-        </p:nvSpPr>
-        <p:spPr>
-          <a:xfrm>
-            <a:off x="1134286" y="818278"/>
-            <a:ext cx="6526283" cy="299082"/>
-          </a:xfrm>
-          <a:prstGeom prst="rect">
-            <a:avLst/>
-          </a:prstGeom>
-          <a:solidFill>
-            <a:schemeClr val="bg1">
-              <a:lumMod val="95000"/>
-              <a:alpha val="70000"/>
-            </a:schemeClr>
-          </a:solidFill>
-          <a:ln w="9525">
-            <a:solidFill>
-              <a:schemeClr val="bg1">
-                <a:lumMod val="65000"/>
-              </a:schemeClr>
-            </a:solidFill>
-          </a:ln>
-        </p:spPr>
-        <p:style>
-          <a:lnRef idx="2">
-            <a:schemeClr val="accent1">
-              <a:shade val="50000"/>
-            </a:schemeClr>
-          </a:lnRef>
-          <a:fillRef idx="1">
-            <a:schemeClr val="accent1"/>
-          </a:fillRef>
-          <a:effectRef idx="0">
-            <a:schemeClr val="accent1"/>
-          </a:effectRef>
-          <a:fontRef idx="minor">
-            <a:schemeClr val="lt1"/>
-          </a:fontRef>
-        </p:style>
-        <p:txBody>
-          <a:bodyPr rtlCol="0" anchor="ctr"/>
-          <a:lstStyle/>
-          <a:p>
-            <a:pPr algn="r"/>
-            <a:r>
-              <a:rPr lang="ko-KR" altLang="en-US" sz="1600" dirty="0" smtClean="0">
-                <a:solidFill>
-                  <a:schemeClr val="tx1"/>
-                </a:solidFill>
-                <a:latin typeface="+mn-ea"/>
-              </a:rPr>
-              <a:t>로그인 </a:t>
-            </a:r>
-            <a:r>
-              <a:rPr lang="en-US" altLang="ko-KR" sz="1600" dirty="0" smtClean="0">
-                <a:solidFill>
-                  <a:schemeClr val="tx1"/>
-                </a:solidFill>
-                <a:latin typeface="+mn-ea"/>
-              </a:rPr>
-              <a:t>| </a:t>
-            </a:r>
-            <a:r>
-              <a:rPr lang="ko-KR" altLang="en-US" sz="1600" dirty="0" smtClean="0">
-                <a:solidFill>
-                  <a:schemeClr val="tx1"/>
-                </a:solidFill>
-                <a:latin typeface="+mn-ea"/>
-              </a:rPr>
-              <a:t>회원가입</a:t>
-            </a:r>
-            <a:endParaRPr lang="ko-KR" altLang="en-US" sz="1600" dirty="0">
-              <a:solidFill>
-                <a:schemeClr val="tx1"/>
-              </a:solidFill>
-              <a:latin typeface="+mn-ea"/>
-            </a:endParaRPr>
-          </a:p>
-        </p:txBody>
-      </p:sp>
-      <p:sp>
-        <p:nvSpPr>
-          <p:cNvPr id="8" name="직사각형 7">
-            <a:extLst>
-              <a:ext uri="{FF2B5EF4-FFF2-40B4-BE49-F238E27FC236}">
-                <a16:creationId xmlns:a16="http://schemas.microsoft.com/office/drawing/2014/main" id="{FE05BBF2-37A7-4E75-975E-30371C2C0EDE}"/>
-              </a:ext>
-            </a:extLst>
-          </p:cNvPr>
-          <p:cNvSpPr/>
-          <p:nvPr/>
-        </p:nvSpPr>
-        <p:spPr>
-          <a:xfrm>
-            <a:off x="1134285" y="1555478"/>
-            <a:ext cx="6526283" cy="298971"/>
-          </a:xfrm>
-          <a:prstGeom prst="rect">
-            <a:avLst/>
-          </a:prstGeom>
-          <a:solidFill>
-            <a:schemeClr val="bg1">
-              <a:lumMod val="95000"/>
-              <a:alpha val="70000"/>
-            </a:schemeClr>
-          </a:solidFill>
-          <a:ln w="9525">
-            <a:solidFill>
-              <a:schemeClr val="bg1">
-                <a:lumMod val="65000"/>
-              </a:schemeClr>
-            </a:solidFill>
-          </a:ln>
-        </p:spPr>
-        <p:style>
-          <a:lnRef idx="2">
-            <a:schemeClr val="accent1">
-              <a:shade val="50000"/>
-            </a:schemeClr>
-          </a:lnRef>
-          <a:fillRef idx="1">
-            <a:schemeClr val="accent1"/>
-          </a:fillRef>
-          <a:effectRef idx="0">
-            <a:schemeClr val="accent1"/>
-          </a:effectRef>
-          <a:fontRef idx="minor">
-            <a:schemeClr val="lt1"/>
-          </a:fontRef>
-        </p:style>
-        <p:txBody>
-          <a:bodyPr rtlCol="0" anchor="ctr"/>
-          <a:lstStyle/>
-          <a:p>
-            <a:pPr algn="ctr"/>
-            <a:r>
-              <a:rPr lang="ko-KR" altLang="en-US" sz="1600" dirty="0" smtClean="0">
-                <a:solidFill>
-                  <a:schemeClr val="tx1"/>
-                </a:solidFill>
-                <a:latin typeface="+mn-ea"/>
-              </a:rPr>
-              <a:t>메인 카테고리</a:t>
-            </a:r>
-            <a:endParaRPr lang="ko-KR" altLang="en-US" sz="1600" dirty="0">
-              <a:solidFill>
-                <a:schemeClr val="tx1"/>
-              </a:solidFill>
-              <a:latin typeface="+mn-ea"/>
-              <a:ea typeface="+mn-ea"/>
-            </a:endParaRPr>
-          </a:p>
-        </p:txBody>
-      </p:sp>
-      <p:grpSp>
-        <p:nvGrpSpPr>
-          <p:cNvPr id="9" name="그룹 8">
-            <a:extLst>
-              <a:ext uri="{FF2B5EF4-FFF2-40B4-BE49-F238E27FC236}">
-                <a16:creationId xmlns:a16="http://schemas.microsoft.com/office/drawing/2014/main" id="{69C77F86-C997-45E7-A415-0973E08BEA96}"/>
-              </a:ext>
-            </a:extLst>
-          </p:cNvPr>
-          <p:cNvGrpSpPr/>
-          <p:nvPr/>
-        </p:nvGrpSpPr>
-        <p:grpSpPr>
-          <a:xfrm>
-            <a:off x="1462545" y="3815888"/>
-            <a:ext cx="1408191" cy="1255127"/>
-            <a:chOff x="179512" y="411510"/>
-            <a:chExt cx="1296144" cy="432049"/>
-          </a:xfrm>
-        </p:grpSpPr>
-        <p:sp>
-          <p:nvSpPr>
-            <p:cNvPr id="10" name="직사각형 9">
-              <a:extLst>
-                <a:ext uri="{FF2B5EF4-FFF2-40B4-BE49-F238E27FC236}">
-                  <a16:creationId xmlns:a16="http://schemas.microsoft.com/office/drawing/2014/main" id="{4FAFBB30-6FC3-4D66-8935-61E806DAB421}"/>
-                </a:ext>
-              </a:extLst>
-            </p:cNvPr>
-            <p:cNvSpPr/>
-            <p:nvPr/>
-          </p:nvSpPr>
-          <p:spPr>
-            <a:xfrm>
-              <a:off x="179512" y="411511"/>
-              <a:ext cx="1296144" cy="432048"/>
-            </a:xfrm>
-            <a:prstGeom prst="rect">
-              <a:avLst/>
-            </a:prstGeom>
-            <a:solidFill>
-              <a:schemeClr val="bg1">
-                <a:lumMod val="95000"/>
-                <a:alpha val="70000"/>
-              </a:schemeClr>
-            </a:solidFill>
-            <a:ln w="9525">
-              <a:solidFill>
-                <a:schemeClr val="bg1">
-                  <a:lumMod val="65000"/>
-                </a:schemeClr>
-              </a:solidFill>
-            </a:ln>
-          </p:spPr>
-          <p:style>
-            <a:lnRef idx="2">
-              <a:schemeClr val="accent1">
-                <a:shade val="50000"/>
-              </a:schemeClr>
-            </a:lnRef>
-            <a:fillRef idx="1">
-              <a:schemeClr val="accent1"/>
-            </a:fillRef>
-            <a:effectRef idx="0">
-              <a:schemeClr val="accent1"/>
-            </a:effectRef>
-            <a:fontRef idx="minor">
-              <a:schemeClr val="lt1"/>
-            </a:fontRef>
-          </p:style>
-          <p:txBody>
-            <a:bodyPr rtlCol="0" anchor="ctr"/>
-            <a:lstStyle/>
-            <a:p>
-              <a:pPr algn="ctr"/>
-              <a:r>
-                <a:rPr lang="en-US" altLang="ko-KR" dirty="0">
-                  <a:solidFill>
-                    <a:prstClr val="white"/>
-                  </a:solidFill>
-                  <a:latin typeface="+mn-ea"/>
-                  <a:ea typeface="+mn-ea"/>
-                </a:rPr>
-                <a:t>`</a:t>
-              </a:r>
-              <a:endParaRPr lang="ko-KR" altLang="en-US" dirty="0">
-                <a:solidFill>
-                  <a:prstClr val="white"/>
-                </a:solidFill>
-                <a:latin typeface="+mn-ea"/>
-                <a:ea typeface="+mn-ea"/>
-              </a:endParaRPr>
-            </a:p>
-          </p:txBody>
-        </p:sp>
-        <p:cxnSp>
-          <p:nvCxnSpPr>
-            <p:cNvPr id="11" name="직선 연결선 10">
-              <a:extLst>
-                <a:ext uri="{FF2B5EF4-FFF2-40B4-BE49-F238E27FC236}">
-                  <a16:creationId xmlns:a16="http://schemas.microsoft.com/office/drawing/2014/main" id="{AB9A57B3-35DE-4B2F-9558-FA4325CA399F}"/>
-                </a:ext>
-              </a:extLst>
-            </p:cNvPr>
-            <p:cNvCxnSpPr/>
-            <p:nvPr/>
-          </p:nvCxnSpPr>
-          <p:spPr>
-            <a:xfrm flipH="1">
-              <a:off x="179512" y="411510"/>
-              <a:ext cx="1296144" cy="432048"/>
-            </a:xfrm>
-            <a:prstGeom prst="line">
-              <a:avLst/>
-            </a:prstGeom>
-            <a:ln>
-              <a:solidFill>
-                <a:schemeClr val="bg1">
-                  <a:lumMod val="50000"/>
-                </a:schemeClr>
-              </a:solidFill>
-            </a:ln>
-          </p:spPr>
-          <p:style>
-            <a:lnRef idx="1">
-              <a:schemeClr val="accent1"/>
-            </a:lnRef>
-            <a:fillRef idx="0">
-              <a:schemeClr val="accent1"/>
-            </a:fillRef>
-            <a:effectRef idx="0">
-              <a:schemeClr val="accent1"/>
-            </a:effectRef>
-            <a:fontRef idx="minor">
-              <a:schemeClr val="tx1"/>
-            </a:fontRef>
-          </p:style>
-        </p:cxnSp>
-      </p:grpSp>
       <p:sp>
         <p:nvSpPr>
           <p:cNvPr id="12" name="직사각형 11">
@@ -7343,7 +7169,7 @@
         </p:nvSpPr>
         <p:spPr>
           <a:xfrm>
-            <a:off x="1134286" y="2275465"/>
+            <a:off x="1085465" y="1457826"/>
             <a:ext cx="6504746" cy="298971"/>
           </a:xfrm>
           <a:prstGeom prst="rect">
@@ -7426,7 +7252,7 @@
         </p:nvGrpSpPr>
         <p:grpSpPr>
           <a:xfrm>
-            <a:off x="1326094" y="2666751"/>
+            <a:off x="1277273" y="1849112"/>
             <a:ext cx="696083" cy="533459"/>
             <a:chOff x="179512" y="411510"/>
             <a:chExt cx="1296144" cy="432049"/>
@@ -7565,7 +7391,7 @@
         </p:nvSpPr>
         <p:spPr>
           <a:xfrm>
-            <a:off x="1219779" y="3486039"/>
+            <a:off x="1170958" y="2668400"/>
             <a:ext cx="6526283" cy="45719"/>
           </a:xfrm>
           <a:prstGeom prst="rect">
@@ -7630,7 +7456,7 @@
         </p:nvGrpSpPr>
         <p:grpSpPr>
           <a:xfrm>
-            <a:off x="2262236" y="2666751"/>
+            <a:off x="2213415" y="1849112"/>
             <a:ext cx="696083" cy="533459"/>
             <a:chOff x="179512" y="411510"/>
             <a:chExt cx="1296144" cy="432049"/>
@@ -7769,7 +7595,7 @@
         </p:nvGrpSpPr>
         <p:grpSpPr>
           <a:xfrm>
-            <a:off x="3198378" y="2666751"/>
+            <a:off x="3149557" y="1849112"/>
             <a:ext cx="696083" cy="533459"/>
             <a:chOff x="179512" y="411510"/>
             <a:chExt cx="1296144" cy="432049"/>
@@ -7908,7 +7734,7 @@
         </p:nvGrpSpPr>
         <p:grpSpPr>
           <a:xfrm>
-            <a:off x="4134520" y="2666751"/>
+            <a:off x="4085699" y="1849112"/>
             <a:ext cx="696083" cy="533459"/>
             <a:chOff x="179512" y="411510"/>
             <a:chExt cx="1296144" cy="432049"/>
@@ -8047,7 +7873,7 @@
         </p:nvGrpSpPr>
         <p:grpSpPr>
           <a:xfrm>
-            <a:off x="5070662" y="2666751"/>
+            <a:off x="5021841" y="1849112"/>
             <a:ext cx="696083" cy="533459"/>
             <a:chOff x="179512" y="411510"/>
             <a:chExt cx="1296144" cy="432049"/>
@@ -8186,7 +8012,7 @@
         </p:nvGrpSpPr>
         <p:grpSpPr>
           <a:xfrm>
-            <a:off x="6006804" y="2666751"/>
+            <a:off x="5957983" y="1849112"/>
             <a:ext cx="696083" cy="533459"/>
             <a:chOff x="179512" y="411510"/>
             <a:chExt cx="1296144" cy="432049"/>
@@ -8325,7 +8151,7 @@
         </p:nvGrpSpPr>
         <p:grpSpPr>
           <a:xfrm>
-            <a:off x="6942949" y="2666751"/>
+            <a:off x="6894128" y="1849112"/>
             <a:ext cx="696083" cy="533459"/>
             <a:chOff x="179512" y="411510"/>
             <a:chExt cx="1296144" cy="432049"/>
@@ -8452,27 +8278,160 @@
       </p:grpSp>
       <p:grpSp>
         <p:nvGrpSpPr>
-          <p:cNvPr id="36" name="그룹 35">
-            <a:extLst>
-              <a:ext uri="{FF2B5EF4-FFF2-40B4-BE49-F238E27FC236}">
-                <a16:creationId xmlns:a16="http://schemas.microsoft.com/office/drawing/2014/main" id="{69C77F86-C997-45E7-A415-0973E08BEA96}"/>
-              </a:ext>
-            </a:extLst>
-          </p:cNvPr>
+          <p:cNvPr id="2" name="그룹 1"/>
           <p:cNvGrpSpPr/>
           <p:nvPr/>
         </p:nvGrpSpPr>
         <p:grpSpPr>
           <a:xfrm>
-            <a:off x="3773751" y="3815888"/>
-            <a:ext cx="1408191" cy="1255127"/>
-            <a:chOff x="179512" y="411510"/>
-            <a:chExt cx="1296144" cy="432049"/>
+            <a:off x="1227033" y="2947417"/>
+            <a:ext cx="1190465" cy="1475952"/>
+            <a:chOff x="1462544" y="3815888"/>
+            <a:chExt cx="1408192" cy="1745893"/>
           </a:xfrm>
         </p:grpSpPr>
+        <p:grpSp>
+          <p:nvGrpSpPr>
+            <p:cNvPr id="9" name="그룹 8">
+              <a:extLst>
+                <a:ext uri="{FF2B5EF4-FFF2-40B4-BE49-F238E27FC236}">
+                  <a16:creationId xmlns:a16="http://schemas.microsoft.com/office/drawing/2014/main" id="{69C77F86-C997-45E7-A415-0973E08BEA96}"/>
+                </a:ext>
+              </a:extLst>
+            </p:cNvPr>
+            <p:cNvGrpSpPr/>
+            <p:nvPr/>
+          </p:nvGrpSpPr>
+          <p:grpSpPr>
+            <a:xfrm>
+              <a:off x="1462545" y="3815888"/>
+              <a:ext cx="1408191" cy="1255127"/>
+              <a:chOff x="179512" y="411510"/>
+              <a:chExt cx="1296144" cy="432049"/>
+            </a:xfrm>
+          </p:grpSpPr>
+          <p:sp>
+            <p:nvSpPr>
+              <p:cNvPr id="10" name="직사각형 9">
+                <a:extLst>
+                  <a:ext uri="{FF2B5EF4-FFF2-40B4-BE49-F238E27FC236}">
+                    <a16:creationId xmlns:a16="http://schemas.microsoft.com/office/drawing/2014/main" id="{4FAFBB30-6FC3-4D66-8935-61E806DAB421}"/>
+                  </a:ext>
+                </a:extLst>
+              </p:cNvPr>
+              <p:cNvSpPr/>
+              <p:nvPr/>
+            </p:nvSpPr>
+            <p:spPr>
+              <a:xfrm>
+                <a:off x="179512" y="411511"/>
+                <a:ext cx="1296144" cy="432048"/>
+              </a:xfrm>
+              <a:prstGeom prst="rect">
+                <a:avLst/>
+              </a:prstGeom>
+              <a:solidFill>
+                <a:schemeClr val="bg1">
+                  <a:lumMod val="95000"/>
+                  <a:alpha val="70000"/>
+                </a:schemeClr>
+              </a:solidFill>
+              <a:ln w="9525">
+                <a:solidFill>
+                  <a:schemeClr val="bg1">
+                    <a:lumMod val="65000"/>
+                  </a:schemeClr>
+                </a:solidFill>
+              </a:ln>
+            </p:spPr>
+            <p:style>
+              <a:lnRef idx="2">
+                <a:schemeClr val="accent1">
+                  <a:shade val="50000"/>
+                </a:schemeClr>
+              </a:lnRef>
+              <a:fillRef idx="1">
+                <a:schemeClr val="accent1"/>
+              </a:fillRef>
+              <a:effectRef idx="0">
+                <a:schemeClr val="accent1"/>
+              </a:effectRef>
+              <a:fontRef idx="minor">
+                <a:schemeClr val="lt1"/>
+              </a:fontRef>
+            </p:style>
+            <p:txBody>
+              <a:bodyPr rtlCol="0" anchor="ctr"/>
+              <a:lstStyle/>
+              <a:p>
+                <a:pPr algn="ctr"/>
+                <a:r>
+                  <a:rPr lang="en-US" altLang="ko-KR" sz="1400" dirty="0">
+                    <a:solidFill>
+                      <a:prstClr val="white"/>
+                    </a:solidFill>
+                    <a:latin typeface="+mn-ea"/>
+                    <a:ea typeface="+mn-ea"/>
+                  </a:rPr>
+                  <a:t>`</a:t>
+                </a:r>
+                <a:endParaRPr lang="ko-KR" altLang="en-US" sz="1400" dirty="0">
+                  <a:solidFill>
+                    <a:prstClr val="white"/>
+                  </a:solidFill>
+                  <a:latin typeface="+mn-ea"/>
+                  <a:ea typeface="+mn-ea"/>
+                </a:endParaRPr>
+              </a:p>
+            </p:txBody>
+          </p:sp>
+          <p:cxnSp>
+            <p:nvCxnSpPr>
+              <p:cNvPr id="11" name="직선 연결선 10">
+                <a:extLst>
+                  <a:ext uri="{FF2B5EF4-FFF2-40B4-BE49-F238E27FC236}">
+                    <a16:creationId xmlns:a16="http://schemas.microsoft.com/office/drawing/2014/main" id="{AB9A57B3-35DE-4B2F-9558-FA4325CA399F}"/>
+                  </a:ext>
+                </a:extLst>
+              </p:cNvPr>
+              <p:cNvCxnSpPr/>
+              <p:nvPr/>
+            </p:nvCxnSpPr>
+            <p:spPr>
+              <a:xfrm flipH="1">
+                <a:off x="179512" y="411510"/>
+                <a:ext cx="1296144" cy="432048"/>
+              </a:xfrm>
+              <a:prstGeom prst="line">
+                <a:avLst/>
+              </a:prstGeom>
+              <a:ln>
+                <a:solidFill>
+                  <a:schemeClr val="bg1">
+                    <a:lumMod val="50000"/>
+                  </a:schemeClr>
+                </a:solidFill>
+              </a:ln>
+            </p:spPr>
+            <p:style>
+              <a:lnRef idx="1">
+                <a:schemeClr val="accent1"/>
+              </a:lnRef>
+              <a:fillRef idx="0">
+                <a:schemeClr val="accent1"/>
+              </a:fillRef>
+              <a:effectRef idx="0">
+                <a:schemeClr val="accent1"/>
+              </a:effectRef>
+              <a:fontRef idx="minor">
+                <a:schemeClr val="tx1"/>
+              </a:fontRef>
+            </p:style>
+          </p:cxnSp>
+        </p:grpSp>
         <p:sp>
           <p:nvSpPr>
-            <p:cNvPr id="37" name="직사각형 36">
+            <p:cNvPr id="43" name="직사각형 42">
               <a:extLst>
                 <a:ext uri="{FF2B5EF4-FFF2-40B4-BE49-F238E27FC236}">
                   <a16:creationId xmlns:a16="http://schemas.microsoft.com/office/drawing/2014/main" id="{4FAFBB30-6FC3-4D66-8935-61E806DAB421}"/>
@@ -8484,8 +8443,8 @@
           </p:nvSpPr>
           <p:spPr>
             <a:xfrm>
-              <a:off x="179512" y="411511"/>
-              <a:ext cx="1296144" cy="432048"/>
+              <a:off x="1462544" y="5126380"/>
+              <a:ext cx="1408191" cy="405341"/>
             </a:xfrm>
             <a:prstGeom prst="rect">
               <a:avLst/>
@@ -8526,7 +8485,7 @@
             <a:p>
               <a:pPr algn="ctr"/>
               <a:r>
-                <a:rPr lang="en-US" altLang="ko-KR" dirty="0">
+                <a:rPr lang="en-US" altLang="ko-KR" sz="1400" dirty="0">
                   <a:solidFill>
                     <a:prstClr val="white"/>
                   </a:solidFill>
@@ -8535,7 +8494,7 @@
                 </a:rPr>
                 <a:t>`</a:t>
               </a:r>
-              <a:endParaRPr lang="ko-KR" altLang="en-US" dirty="0">
+              <a:endParaRPr lang="ko-KR" altLang="en-US" sz="1400" dirty="0">
                 <a:solidFill>
                   <a:prstClr val="white"/>
                 </a:solidFill>
@@ -8545,465 +8504,74 @@
             </a:p>
           </p:txBody>
         </p:sp>
-        <p:cxnSp>
-          <p:nvCxnSpPr>
-            <p:cNvPr id="38" name="직선 연결선 37">
-              <a:extLst>
-                <a:ext uri="{FF2B5EF4-FFF2-40B4-BE49-F238E27FC236}">
-                  <a16:creationId xmlns:a16="http://schemas.microsoft.com/office/drawing/2014/main" id="{AB9A57B3-35DE-4B2F-9558-FA4325CA399F}"/>
-                </a:ext>
-              </a:extLst>
-            </p:cNvPr>
-            <p:cNvCxnSpPr/>
-            <p:nvPr/>
-          </p:nvCxnSpPr>
-          <p:spPr>
-            <a:xfrm flipH="1">
-              <a:off x="179512" y="411510"/>
-              <a:ext cx="1296144" cy="432048"/>
-            </a:xfrm>
-            <a:prstGeom prst="line">
-              <a:avLst/>
-            </a:prstGeom>
-            <a:ln>
-              <a:solidFill>
-                <a:schemeClr val="bg1">
-                  <a:lumMod val="50000"/>
-                </a:schemeClr>
-              </a:solidFill>
-            </a:ln>
-          </p:spPr>
-          <p:style>
-            <a:lnRef idx="1">
-              <a:schemeClr val="accent1"/>
-            </a:lnRef>
-            <a:fillRef idx="0">
-              <a:schemeClr val="accent1"/>
-            </a:fillRef>
-            <a:effectRef idx="0">
-              <a:schemeClr val="accent1"/>
-            </a:effectRef>
-            <a:fontRef idx="minor">
-              <a:schemeClr val="tx1"/>
-            </a:fontRef>
-          </p:style>
-        </p:cxnSp>
-      </p:grpSp>
-      <p:grpSp>
-        <p:nvGrpSpPr>
-          <p:cNvPr id="39" name="그룹 38">
-            <a:extLst>
-              <a:ext uri="{FF2B5EF4-FFF2-40B4-BE49-F238E27FC236}">
-                <a16:creationId xmlns:a16="http://schemas.microsoft.com/office/drawing/2014/main" id="{69C77F86-C997-45E7-A415-0973E08BEA96}"/>
-              </a:ext>
-            </a:extLst>
-          </p:cNvPr>
-          <p:cNvGrpSpPr/>
-          <p:nvPr/>
-        </p:nvGrpSpPr>
-        <p:grpSpPr>
-          <a:xfrm>
-            <a:off x="6084957" y="3815888"/>
-            <a:ext cx="1408191" cy="1255127"/>
-            <a:chOff x="179512" y="411510"/>
-            <a:chExt cx="1296144" cy="432049"/>
-          </a:xfrm>
-        </p:grpSpPr>
         <p:sp>
           <p:nvSpPr>
-            <p:cNvPr id="40" name="직사각형 39">
-              <a:extLst>
-                <a:ext uri="{FF2B5EF4-FFF2-40B4-BE49-F238E27FC236}">
-                  <a16:creationId xmlns:a16="http://schemas.microsoft.com/office/drawing/2014/main" id="{4FAFBB30-6FC3-4D66-8935-61E806DAB421}"/>
-                </a:ext>
-              </a:extLst>
-            </p:cNvPr>
-            <p:cNvSpPr/>
+            <p:cNvPr id="52" name="TextBox 51"/>
+            <p:cNvSpPr txBox="1"/>
             <p:nvPr/>
           </p:nvSpPr>
           <p:spPr>
             <a:xfrm>
-              <a:off x="179512" y="411511"/>
-              <a:ext cx="1296144" cy="432048"/>
+              <a:off x="1650420" y="4281573"/>
+              <a:ext cx="1011043" cy="327660"/>
             </a:xfrm>
             <a:prstGeom prst="rect">
               <a:avLst/>
             </a:prstGeom>
-            <a:solidFill>
-              <a:schemeClr val="bg1">
-                <a:lumMod val="95000"/>
-                <a:alpha val="70000"/>
-              </a:schemeClr>
-            </a:solidFill>
-            <a:ln w="9525">
-              <a:solidFill>
-                <a:schemeClr val="bg1">
-                  <a:lumMod val="65000"/>
-                </a:schemeClr>
-              </a:solidFill>
-            </a:ln>
+            <a:noFill/>
           </p:spPr>
-          <p:style>
-            <a:lnRef idx="2">
-              <a:schemeClr val="accent1">
-                <a:shade val="50000"/>
-              </a:schemeClr>
-            </a:lnRef>
-            <a:fillRef idx="1">
-              <a:schemeClr val="accent1"/>
-            </a:fillRef>
-            <a:effectRef idx="0">
-              <a:schemeClr val="accent1"/>
-            </a:effectRef>
-            <a:fontRef idx="minor">
-              <a:schemeClr val="lt1"/>
-            </a:fontRef>
-          </p:style>
           <p:txBody>
-            <a:bodyPr rtlCol="0" anchor="ctr"/>
+            <a:bodyPr wrap="none" rtlCol="0">
+              <a:spAutoFit/>
+            </a:bodyPr>
             <a:lstStyle/>
             <a:p>
-              <a:pPr algn="ctr"/>
               <a:r>
-                <a:rPr lang="en-US" altLang="ko-KR" dirty="0">
-                  <a:solidFill>
-                    <a:prstClr val="white"/>
-                  </a:solidFill>
-                  <a:latin typeface="+mn-ea"/>
-                  <a:ea typeface="+mn-ea"/>
-                </a:rPr>
-                <a:t>`</a:t>
+                <a:rPr lang="ko-KR" altLang="en-US" sz="1200" dirty="0" smtClean="0"/>
+                <a:t>상품 사진</a:t>
               </a:r>
-              <a:endParaRPr lang="ko-KR" altLang="en-US" dirty="0">
-                <a:solidFill>
-                  <a:prstClr val="white"/>
-                </a:solidFill>
-                <a:latin typeface="+mn-ea"/>
-                <a:ea typeface="+mn-ea"/>
-              </a:endParaRPr>
+              <a:endParaRPr lang="ko-KR" altLang="en-US" sz="1200" dirty="0"/>
             </a:p>
           </p:txBody>
         </p:sp>
-        <p:cxnSp>
-          <p:nvCxnSpPr>
-            <p:cNvPr id="41" name="직선 연결선 40">
-              <a:extLst>
-                <a:ext uri="{FF2B5EF4-FFF2-40B4-BE49-F238E27FC236}">
-                  <a16:creationId xmlns:a16="http://schemas.microsoft.com/office/drawing/2014/main" id="{AB9A57B3-35DE-4B2F-9558-FA4325CA399F}"/>
-                </a:ext>
-              </a:extLst>
-            </p:cNvPr>
-            <p:cNvCxnSpPr/>
+        <p:sp>
+          <p:nvSpPr>
+            <p:cNvPr id="55" name="TextBox 54"/>
+            <p:cNvSpPr txBox="1"/>
             <p:nvPr/>
-          </p:nvCxnSpPr>
+          </p:nvSpPr>
           <p:spPr>
-            <a:xfrm flipH="1">
-              <a:off x="179512" y="411510"/>
-              <a:ext cx="1296144" cy="432048"/>
+            <a:xfrm>
+              <a:off x="1767869" y="5124901"/>
+              <a:ext cx="811944" cy="436880"/>
             </a:xfrm>
-            <a:prstGeom prst="line">
+            <a:prstGeom prst="rect">
               <a:avLst/>
             </a:prstGeom>
-            <a:ln>
-              <a:solidFill>
-                <a:schemeClr val="bg1">
-                  <a:lumMod val="50000"/>
-                </a:schemeClr>
-              </a:solidFill>
-            </a:ln>
+            <a:noFill/>
           </p:spPr>
-          <p:style>
-            <a:lnRef idx="1">
-              <a:schemeClr val="accent1"/>
-            </a:lnRef>
-            <a:fillRef idx="0">
-              <a:schemeClr val="accent1"/>
-            </a:fillRef>
-            <a:effectRef idx="0">
-              <a:schemeClr val="accent1"/>
-            </a:effectRef>
-            <a:fontRef idx="minor">
-              <a:schemeClr val="tx1"/>
-            </a:fontRef>
-          </p:style>
-        </p:cxnSp>
+          <p:txBody>
+            <a:bodyPr wrap="none" rtlCol="0">
+              <a:spAutoFit/>
+            </a:bodyPr>
+            <a:lstStyle/>
+            <a:p>
+              <a:r>
+                <a:rPr lang="ko-KR" altLang="en-US" sz="900" dirty="0" smtClean="0"/>
+                <a:t>상품 이름</a:t>
+              </a:r>
+              <a:endParaRPr lang="en-US" altLang="ko-KR" sz="900" dirty="0" smtClean="0"/>
+            </a:p>
+            <a:p>
+              <a:r>
+                <a:rPr lang="ko-KR" altLang="en-US" sz="900" dirty="0" smtClean="0"/>
+                <a:t>상품 가격</a:t>
+              </a:r>
+              <a:endParaRPr lang="ko-KR" altLang="en-US" sz="900" dirty="0"/>
+            </a:p>
+          </p:txBody>
+        </p:sp>
       </p:grpSp>
-      <p:sp>
-        <p:nvSpPr>
-          <p:cNvPr id="43" name="직사각형 42">
-            <a:extLst>
-              <a:ext uri="{FF2B5EF4-FFF2-40B4-BE49-F238E27FC236}">
-                <a16:creationId xmlns:a16="http://schemas.microsoft.com/office/drawing/2014/main" id="{4FAFBB30-6FC3-4D66-8935-61E806DAB421}"/>
-              </a:ext>
-            </a:extLst>
-          </p:cNvPr>
-          <p:cNvSpPr/>
-          <p:nvPr/>
-        </p:nvSpPr>
-        <p:spPr>
-          <a:xfrm>
-            <a:off x="1462544" y="5126380"/>
-            <a:ext cx="1408191" cy="405341"/>
-          </a:xfrm>
-          <a:prstGeom prst="rect">
-            <a:avLst/>
-          </a:prstGeom>
-          <a:solidFill>
-            <a:schemeClr val="bg1">
-              <a:lumMod val="95000"/>
-              <a:alpha val="70000"/>
-            </a:schemeClr>
-          </a:solidFill>
-          <a:ln w="9525">
-            <a:solidFill>
-              <a:schemeClr val="bg1">
-                <a:lumMod val="65000"/>
-              </a:schemeClr>
-            </a:solidFill>
-          </a:ln>
-        </p:spPr>
-        <p:style>
-          <a:lnRef idx="2">
-            <a:schemeClr val="accent1">
-              <a:shade val="50000"/>
-            </a:schemeClr>
-          </a:lnRef>
-          <a:fillRef idx="1">
-            <a:schemeClr val="accent1"/>
-          </a:fillRef>
-          <a:effectRef idx="0">
-            <a:schemeClr val="accent1"/>
-          </a:effectRef>
-          <a:fontRef idx="minor">
-            <a:schemeClr val="lt1"/>
-          </a:fontRef>
-        </p:style>
-        <p:txBody>
-          <a:bodyPr rtlCol="0" anchor="ctr"/>
-          <a:lstStyle/>
-          <a:p>
-            <a:pPr algn="ctr"/>
-            <a:r>
-              <a:rPr lang="en-US" altLang="ko-KR" dirty="0">
-                <a:solidFill>
-                  <a:prstClr val="white"/>
-                </a:solidFill>
-                <a:latin typeface="+mn-ea"/>
-                <a:ea typeface="+mn-ea"/>
-              </a:rPr>
-              <a:t>`</a:t>
-            </a:r>
-            <a:endParaRPr lang="ko-KR" altLang="en-US" dirty="0">
-              <a:solidFill>
-                <a:prstClr val="white"/>
-              </a:solidFill>
-              <a:latin typeface="+mn-ea"/>
-              <a:ea typeface="+mn-ea"/>
-            </a:endParaRPr>
-          </a:p>
-        </p:txBody>
-      </p:sp>
-      <p:sp>
-        <p:nvSpPr>
-          <p:cNvPr id="52" name="TextBox 51"/>
-          <p:cNvSpPr txBox="1"/>
-          <p:nvPr/>
-        </p:nvSpPr>
-        <p:spPr>
-          <a:xfrm>
-            <a:off x="1650420" y="4281573"/>
-            <a:ext cx="1077539" cy="338554"/>
-          </a:xfrm>
-          <a:prstGeom prst="rect">
-            <a:avLst/>
-          </a:prstGeom>
-          <a:noFill/>
-        </p:spPr>
-        <p:txBody>
-          <a:bodyPr wrap="none" rtlCol="0">
-            <a:spAutoFit/>
-          </a:bodyPr>
-          <a:lstStyle/>
-          <a:p>
-            <a:r>
-              <a:rPr lang="ko-KR" altLang="en-US" sz="1600" dirty="0" smtClean="0"/>
-              <a:t>상품 사진</a:t>
-            </a:r>
-            <a:endParaRPr lang="ko-KR" altLang="en-US" sz="1600" dirty="0"/>
-          </a:p>
-        </p:txBody>
-      </p:sp>
-      <p:sp>
-        <p:nvSpPr>
-          <p:cNvPr id="53" name="TextBox 52"/>
-          <p:cNvSpPr txBox="1"/>
-          <p:nvPr/>
-        </p:nvSpPr>
-        <p:spPr>
-          <a:xfrm>
-            <a:off x="3952163" y="4279292"/>
-            <a:ext cx="1077539" cy="338554"/>
-          </a:xfrm>
-          <a:prstGeom prst="rect">
-            <a:avLst/>
-          </a:prstGeom>
-          <a:noFill/>
-        </p:spPr>
-        <p:txBody>
-          <a:bodyPr wrap="none" rtlCol="0">
-            <a:spAutoFit/>
-          </a:bodyPr>
-          <a:lstStyle/>
-          <a:p>
-            <a:r>
-              <a:rPr lang="ko-KR" altLang="en-US" sz="1600" dirty="0" smtClean="0"/>
-              <a:t>상품 사진</a:t>
-            </a:r>
-            <a:endParaRPr lang="ko-KR" altLang="en-US" sz="1600" dirty="0"/>
-          </a:p>
-        </p:txBody>
-      </p:sp>
-      <p:sp>
-        <p:nvSpPr>
-          <p:cNvPr id="54" name="TextBox 53"/>
-          <p:cNvSpPr txBox="1"/>
-          <p:nvPr/>
-        </p:nvSpPr>
-        <p:spPr>
-          <a:xfrm>
-            <a:off x="6258373" y="4255373"/>
-            <a:ext cx="1077539" cy="338554"/>
-          </a:xfrm>
-          <a:prstGeom prst="rect">
-            <a:avLst/>
-          </a:prstGeom>
-          <a:noFill/>
-        </p:spPr>
-        <p:txBody>
-          <a:bodyPr wrap="none" rtlCol="0">
-            <a:spAutoFit/>
-          </a:bodyPr>
-          <a:lstStyle/>
-          <a:p>
-            <a:r>
-              <a:rPr lang="ko-KR" altLang="en-US" sz="1600" dirty="0" smtClean="0"/>
-              <a:t>상품 사진</a:t>
-            </a:r>
-            <a:endParaRPr lang="ko-KR" altLang="en-US" sz="1600" dirty="0"/>
-          </a:p>
-        </p:txBody>
-      </p:sp>
-      <p:sp>
-        <p:nvSpPr>
-          <p:cNvPr id="55" name="TextBox 54"/>
-          <p:cNvSpPr txBox="1"/>
-          <p:nvPr/>
-        </p:nvSpPr>
-        <p:spPr>
-          <a:xfrm>
-            <a:off x="1767869" y="5124901"/>
-            <a:ext cx="798617" cy="430887"/>
-          </a:xfrm>
-          <a:prstGeom prst="rect">
-            <a:avLst/>
-          </a:prstGeom>
-          <a:noFill/>
-        </p:spPr>
-        <p:txBody>
-          <a:bodyPr wrap="none" rtlCol="0">
-            <a:spAutoFit/>
-          </a:bodyPr>
-          <a:lstStyle/>
-          <a:p>
-            <a:r>
-              <a:rPr lang="ko-KR" altLang="en-US" sz="1050" dirty="0" smtClean="0"/>
-              <a:t>상품 이름</a:t>
-            </a:r>
-            <a:endParaRPr lang="en-US" altLang="ko-KR" sz="1050" dirty="0" smtClean="0"/>
-          </a:p>
-          <a:p>
-            <a:r>
-              <a:rPr lang="ko-KR" altLang="en-US" sz="1050" dirty="0" smtClean="0"/>
-              <a:t>상품 가격</a:t>
-            </a:r>
-            <a:endParaRPr lang="ko-KR" altLang="en-US" sz="1050" dirty="0"/>
-          </a:p>
-        </p:txBody>
-      </p:sp>
-      <p:sp>
-        <p:nvSpPr>
-          <p:cNvPr id="56" name="TextBox 55"/>
-          <p:cNvSpPr txBox="1"/>
-          <p:nvPr/>
-        </p:nvSpPr>
-        <p:spPr>
-          <a:xfrm>
-            <a:off x="4092310" y="5136932"/>
-            <a:ext cx="798617" cy="430887"/>
-          </a:xfrm>
-          <a:prstGeom prst="rect">
-            <a:avLst/>
-          </a:prstGeom>
-          <a:noFill/>
-        </p:spPr>
-        <p:txBody>
-          <a:bodyPr wrap="none" rtlCol="0">
-            <a:spAutoFit/>
-          </a:bodyPr>
-          <a:lstStyle/>
-          <a:p>
-            <a:r>
-              <a:rPr lang="ko-KR" altLang="en-US" sz="1050" dirty="0" smtClean="0"/>
-              <a:t>상품 이름</a:t>
-            </a:r>
-            <a:endParaRPr lang="en-US" altLang="ko-KR" sz="1050" dirty="0" smtClean="0"/>
-          </a:p>
-          <a:p>
-            <a:r>
-              <a:rPr lang="ko-KR" altLang="en-US" sz="1050" dirty="0" smtClean="0"/>
-              <a:t>상품 가격</a:t>
-            </a:r>
-            <a:endParaRPr lang="ko-KR" altLang="en-US" sz="1050" dirty="0"/>
-          </a:p>
-        </p:txBody>
-      </p:sp>
-      <p:sp>
-        <p:nvSpPr>
-          <p:cNvPr id="57" name="TextBox 56"/>
-          <p:cNvSpPr txBox="1"/>
-          <p:nvPr/>
-        </p:nvSpPr>
-        <p:spPr>
-          <a:xfrm>
-            <a:off x="6420181" y="5148963"/>
-            <a:ext cx="798617" cy="430887"/>
-          </a:xfrm>
-          <a:prstGeom prst="rect">
-            <a:avLst/>
-          </a:prstGeom>
-          <a:noFill/>
-        </p:spPr>
-        <p:txBody>
-          <a:bodyPr wrap="none" rtlCol="0">
-            <a:spAutoFit/>
-          </a:bodyPr>
-          <a:lstStyle/>
-          <a:p>
-            <a:r>
-              <a:rPr lang="ko-KR" altLang="en-US" sz="1050" dirty="0" smtClean="0"/>
-              <a:t>상품 이름</a:t>
-            </a:r>
-            <a:endParaRPr lang="en-US" altLang="ko-KR" sz="1050" dirty="0" smtClean="0"/>
-          </a:p>
-          <a:p>
-            <a:r>
-              <a:rPr lang="ko-KR" altLang="en-US" sz="1050" dirty="0" smtClean="0"/>
-              <a:t>상품 가격</a:t>
-            </a:r>
-            <a:endParaRPr lang="ko-KR" altLang="en-US" sz="1050" dirty="0"/>
-          </a:p>
-        </p:txBody>
-      </p:sp>
       <p:sp>
         <p:nvSpPr>
           <p:cNvPr id="58" name="TextBox 57"/>
@@ -9012,7 +8580,7 @@
         </p:nvSpPr>
         <p:spPr>
           <a:xfrm>
-            <a:off x="1299673" y="2765671"/>
+            <a:off x="1250852" y="1948032"/>
             <a:ext cx="748923" cy="430887"/>
           </a:xfrm>
           <a:prstGeom prst="rect">
@@ -9050,7 +8618,7 @@
         </p:nvSpPr>
         <p:spPr>
           <a:xfrm>
-            <a:off x="1238481" y="3159634"/>
+            <a:off x="1189660" y="2341995"/>
             <a:ext cx="889987" cy="261610"/>
           </a:xfrm>
           <a:prstGeom prst="rect">
@@ -9080,7 +8648,7 @@
         </p:nvSpPr>
         <p:spPr>
           <a:xfrm>
-            <a:off x="2250852" y="2773841"/>
+            <a:off x="2202031" y="1956202"/>
             <a:ext cx="748923" cy="430887"/>
           </a:xfrm>
           <a:prstGeom prst="rect">
@@ -9118,7 +8686,7 @@
         </p:nvSpPr>
         <p:spPr>
           <a:xfrm>
-            <a:off x="2189660" y="3167804"/>
+            <a:off x="2140839" y="2350165"/>
             <a:ext cx="889987" cy="261610"/>
           </a:xfrm>
           <a:prstGeom prst="rect">
@@ -9148,7 +8716,7 @@
         </p:nvSpPr>
         <p:spPr>
           <a:xfrm>
-            <a:off x="3173204" y="2796996"/>
+            <a:off x="3124383" y="1979357"/>
             <a:ext cx="748923" cy="430887"/>
           </a:xfrm>
           <a:prstGeom prst="rect">
@@ -9186,7 +8754,7 @@
         </p:nvSpPr>
         <p:spPr>
           <a:xfrm>
-            <a:off x="3112012" y="3190959"/>
+            <a:off x="3063191" y="2373320"/>
             <a:ext cx="889987" cy="261610"/>
           </a:xfrm>
           <a:prstGeom prst="rect">
@@ -9216,7 +8784,7 @@
         </p:nvSpPr>
         <p:spPr>
           <a:xfrm>
-            <a:off x="4101237" y="2798295"/>
+            <a:off x="4052416" y="1980656"/>
             <a:ext cx="748923" cy="430887"/>
           </a:xfrm>
           <a:prstGeom prst="rect">
@@ -9254,7 +8822,7 @@
         </p:nvSpPr>
         <p:spPr>
           <a:xfrm>
-            <a:off x="4040045" y="3192258"/>
+            <a:off x="3991224" y="2374619"/>
             <a:ext cx="889987" cy="261610"/>
           </a:xfrm>
           <a:prstGeom prst="rect">
@@ -9284,7 +8852,7 @@
         </p:nvSpPr>
         <p:spPr>
           <a:xfrm>
-            <a:off x="5042350" y="2798295"/>
+            <a:off x="4993529" y="1980656"/>
             <a:ext cx="748923" cy="430887"/>
           </a:xfrm>
           <a:prstGeom prst="rect">
@@ -9322,7 +8890,7 @@
         </p:nvSpPr>
         <p:spPr>
           <a:xfrm>
-            <a:off x="4981158" y="3192258"/>
+            <a:off x="4932337" y="2374619"/>
             <a:ext cx="889987" cy="261610"/>
           </a:xfrm>
           <a:prstGeom prst="rect">
@@ -9352,7 +8920,7 @@
         </p:nvSpPr>
         <p:spPr>
           <a:xfrm>
-            <a:off x="5994123" y="2796996"/>
+            <a:off x="5945302" y="1979357"/>
             <a:ext cx="748923" cy="430887"/>
           </a:xfrm>
           <a:prstGeom prst="rect">
@@ -9390,7 +8958,7 @@
         </p:nvSpPr>
         <p:spPr>
           <a:xfrm>
-            <a:off x="5932931" y="3190959"/>
+            <a:off x="5884110" y="2373320"/>
             <a:ext cx="889987" cy="261610"/>
           </a:xfrm>
           <a:prstGeom prst="rect">
@@ -9420,7 +8988,7 @@
         </p:nvSpPr>
         <p:spPr>
           <a:xfrm>
-            <a:off x="6927216" y="2782276"/>
+            <a:off x="6878395" y="1964637"/>
             <a:ext cx="748923" cy="430887"/>
           </a:xfrm>
           <a:prstGeom prst="rect">
@@ -9458,7 +9026,7 @@
         </p:nvSpPr>
         <p:spPr>
           <a:xfrm>
-            <a:off x="6866024" y="3176239"/>
+            <a:off x="6817203" y="2358600"/>
             <a:ext cx="889987" cy="261610"/>
           </a:xfrm>
           <a:prstGeom prst="rect">
@@ -9504,11 +9072,7 @@
           <a:p>
             <a:r>
               <a:rPr lang="ko-KR" altLang="en-US" dirty="0" smtClean="0"/>
-              <a:t>카테고리 </a:t>
-            </a:r>
-            <a:r>
-              <a:rPr lang="ko-KR" altLang="en-US" dirty="0" smtClean="0"/>
-              <a:t>페이지</a:t>
+              <a:t>카테고리 페이지</a:t>
             </a:r>
             <a:endParaRPr lang="ko-KR" altLang="en-US" dirty="0"/>
           </a:p>
@@ -9522,7 +9086,7 @@
         </p:nvSpPr>
         <p:spPr>
           <a:xfrm>
-            <a:off x="1016240" y="2261710"/>
+            <a:off x="967419" y="1444071"/>
             <a:ext cx="248057" cy="252028"/>
           </a:xfrm>
           <a:prstGeom prst="roundRect">
@@ -9589,7 +9153,7 @@
         </p:nvSpPr>
         <p:spPr>
           <a:xfrm>
-            <a:off x="1010120" y="3666919"/>
+            <a:off x="961299" y="2849280"/>
             <a:ext cx="248057" cy="252028"/>
           </a:xfrm>
           <a:prstGeom prst="roundRect">
@@ -10237,18 +9801,7 @@
                     </a:schemeClr>
                   </a:solidFill>
                 </a:rPr>
-                <a:t>누르면 </a:t>
-              </a:r>
-              <a:r>
-                <a:rPr lang="ko-KR" altLang="en-US" sz="1100" dirty="0" smtClean="0">
-                  <a:solidFill>
-                    <a:schemeClr val="tx1">
-                      <a:lumMod val="65000"/>
-                      <a:lumOff val="35000"/>
-                    </a:schemeClr>
-                  </a:solidFill>
-                </a:rPr>
-                <a:t>메인 페이지로 이동</a:t>
+                <a:t>누르면 메인 페이지로 이동</a:t>
               </a:r>
               <a:endParaRPr lang="ko-KR" altLang="en-US" sz="1100" dirty="0">
                 <a:solidFill>
@@ -10264,21 +9817,160 @@
       </p:grpSp>
       <p:grpSp>
         <p:nvGrpSpPr>
-          <p:cNvPr id="121" name="그룹 120"/>
+          <p:cNvPr id="115" name="그룹 114"/>
           <p:cNvGrpSpPr/>
           <p:nvPr/>
         </p:nvGrpSpPr>
         <p:grpSpPr>
           <a:xfrm>
-            <a:off x="1462544" y="5881423"/>
-            <a:ext cx="1408192" cy="593438"/>
-            <a:chOff x="1462544" y="5893455"/>
-            <a:chExt cx="1408192" cy="593438"/>
+            <a:off x="2514615" y="2947417"/>
+            <a:ext cx="1190465" cy="1475952"/>
+            <a:chOff x="1462544" y="3815888"/>
+            <a:chExt cx="1408192" cy="1745893"/>
           </a:xfrm>
         </p:grpSpPr>
+        <p:grpSp>
+          <p:nvGrpSpPr>
+            <p:cNvPr id="118" name="그룹 117">
+              <a:extLst>
+                <a:ext uri="{FF2B5EF4-FFF2-40B4-BE49-F238E27FC236}">
+                  <a16:creationId xmlns:a16="http://schemas.microsoft.com/office/drawing/2014/main" id="{69C77F86-C997-45E7-A415-0973E08BEA96}"/>
+                </a:ext>
+              </a:extLst>
+            </p:cNvPr>
+            <p:cNvGrpSpPr/>
+            <p:nvPr/>
+          </p:nvGrpSpPr>
+          <p:grpSpPr>
+            <a:xfrm>
+              <a:off x="1462545" y="3815888"/>
+              <a:ext cx="1408191" cy="1255127"/>
+              <a:chOff x="179512" y="411510"/>
+              <a:chExt cx="1296144" cy="432049"/>
+            </a:xfrm>
+          </p:grpSpPr>
+          <p:sp>
+            <p:nvSpPr>
+              <p:cNvPr id="131" name="직사각형 130">
+                <a:extLst>
+                  <a:ext uri="{FF2B5EF4-FFF2-40B4-BE49-F238E27FC236}">
+                    <a16:creationId xmlns:a16="http://schemas.microsoft.com/office/drawing/2014/main" id="{4FAFBB30-6FC3-4D66-8935-61E806DAB421}"/>
+                  </a:ext>
+                </a:extLst>
+              </p:cNvPr>
+              <p:cNvSpPr/>
+              <p:nvPr/>
+            </p:nvSpPr>
+            <p:spPr>
+              <a:xfrm>
+                <a:off x="179512" y="411511"/>
+                <a:ext cx="1296144" cy="432048"/>
+              </a:xfrm>
+              <a:prstGeom prst="rect">
+                <a:avLst/>
+              </a:prstGeom>
+              <a:solidFill>
+                <a:schemeClr val="bg1">
+                  <a:lumMod val="95000"/>
+                  <a:alpha val="70000"/>
+                </a:schemeClr>
+              </a:solidFill>
+              <a:ln w="9525">
+                <a:solidFill>
+                  <a:schemeClr val="bg1">
+                    <a:lumMod val="65000"/>
+                  </a:schemeClr>
+                </a:solidFill>
+              </a:ln>
+            </p:spPr>
+            <p:style>
+              <a:lnRef idx="2">
+                <a:schemeClr val="accent1">
+                  <a:shade val="50000"/>
+                </a:schemeClr>
+              </a:lnRef>
+              <a:fillRef idx="1">
+                <a:schemeClr val="accent1"/>
+              </a:fillRef>
+              <a:effectRef idx="0">
+                <a:schemeClr val="accent1"/>
+              </a:effectRef>
+              <a:fontRef idx="minor">
+                <a:schemeClr val="lt1"/>
+              </a:fontRef>
+            </p:style>
+            <p:txBody>
+              <a:bodyPr rtlCol="0" anchor="ctr"/>
+              <a:lstStyle/>
+              <a:p>
+                <a:pPr algn="ctr"/>
+                <a:r>
+                  <a:rPr lang="en-US" altLang="ko-KR" sz="1400" dirty="0">
+                    <a:solidFill>
+                      <a:prstClr val="white"/>
+                    </a:solidFill>
+                    <a:latin typeface="+mn-ea"/>
+                    <a:ea typeface="+mn-ea"/>
+                  </a:rPr>
+                  <a:t>`</a:t>
+                </a:r>
+                <a:endParaRPr lang="ko-KR" altLang="en-US" sz="1400" dirty="0">
+                  <a:solidFill>
+                    <a:prstClr val="white"/>
+                  </a:solidFill>
+                  <a:latin typeface="+mn-ea"/>
+                  <a:ea typeface="+mn-ea"/>
+                </a:endParaRPr>
+              </a:p>
+            </p:txBody>
+          </p:sp>
+          <p:cxnSp>
+            <p:nvCxnSpPr>
+              <p:cNvPr id="132" name="직선 연결선 131">
+                <a:extLst>
+                  <a:ext uri="{FF2B5EF4-FFF2-40B4-BE49-F238E27FC236}">
+                    <a16:creationId xmlns:a16="http://schemas.microsoft.com/office/drawing/2014/main" id="{AB9A57B3-35DE-4B2F-9558-FA4325CA399F}"/>
+                  </a:ext>
+                </a:extLst>
+              </p:cNvPr>
+              <p:cNvCxnSpPr/>
+              <p:nvPr/>
+            </p:nvCxnSpPr>
+            <p:spPr>
+              <a:xfrm flipH="1">
+                <a:off x="179512" y="411510"/>
+                <a:ext cx="1296144" cy="432048"/>
+              </a:xfrm>
+              <a:prstGeom prst="line">
+                <a:avLst/>
+              </a:prstGeom>
+              <a:ln>
+                <a:solidFill>
+                  <a:schemeClr val="bg1">
+                    <a:lumMod val="50000"/>
+                  </a:schemeClr>
+                </a:solidFill>
+              </a:ln>
+            </p:spPr>
+            <p:style>
+              <a:lnRef idx="1">
+                <a:schemeClr val="accent1"/>
+              </a:lnRef>
+              <a:fillRef idx="0">
+                <a:schemeClr val="accent1"/>
+              </a:fillRef>
+              <a:effectRef idx="0">
+                <a:schemeClr val="accent1"/>
+              </a:effectRef>
+              <a:fontRef idx="minor">
+                <a:schemeClr val="tx1"/>
+              </a:fontRef>
+            </p:style>
+          </p:cxnSp>
+        </p:grpSp>
         <p:sp>
           <p:nvSpPr>
-            <p:cNvPr id="122" name="직사각형 121">
+            <p:cNvPr id="119" name="직사각형 118">
               <a:extLst>
                 <a:ext uri="{FF2B5EF4-FFF2-40B4-BE49-F238E27FC236}">
                   <a16:creationId xmlns:a16="http://schemas.microsoft.com/office/drawing/2014/main" id="{4FAFBB30-6FC3-4D66-8935-61E806DAB421}"/>
@@ -10290,8 +9982,8 @@
           </p:nvSpPr>
           <p:spPr>
             <a:xfrm>
-              <a:off x="1462544" y="5905490"/>
-              <a:ext cx="1408191" cy="581403"/>
+              <a:off x="1462544" y="5126380"/>
+              <a:ext cx="1408191" cy="405341"/>
             </a:xfrm>
             <a:prstGeom prst="rect">
               <a:avLst/>
@@ -10332,7 +10024,7 @@
             <a:p>
               <a:pPr algn="ctr"/>
               <a:r>
-                <a:rPr lang="en-US" altLang="ko-KR" dirty="0">
+                <a:rPr lang="en-US" altLang="ko-KR" sz="1400" dirty="0">
                   <a:solidFill>
                     <a:prstClr val="white"/>
                   </a:solidFill>
@@ -10341,7 +10033,7 @@
                 </a:rPr>
                 <a:t>`</a:t>
               </a:r>
-              <a:endParaRPr lang="ko-KR" altLang="en-US" dirty="0">
+              <a:endParaRPr lang="ko-KR" altLang="en-US" sz="1400" dirty="0">
                 <a:solidFill>
                   <a:prstClr val="white"/>
                 </a:solidFill>
@@ -10351,67 +10043,230 @@
             </a:p>
           </p:txBody>
         </p:sp>
-        <p:cxnSp>
-          <p:nvCxnSpPr>
-            <p:cNvPr id="123" name="직선 연결선 122">
-              <a:extLst>
-                <a:ext uri="{FF2B5EF4-FFF2-40B4-BE49-F238E27FC236}">
-                  <a16:creationId xmlns:a16="http://schemas.microsoft.com/office/drawing/2014/main" id="{AB9A57B3-35DE-4B2F-9558-FA4325CA399F}"/>
-                </a:ext>
-              </a:extLst>
-            </p:cNvPr>
-            <p:cNvCxnSpPr/>
+        <p:sp>
+          <p:nvSpPr>
+            <p:cNvPr id="120" name="TextBox 119"/>
+            <p:cNvSpPr txBox="1"/>
             <p:nvPr/>
-          </p:nvCxnSpPr>
+          </p:nvSpPr>
           <p:spPr>
-            <a:xfrm flipH="1">
-              <a:off x="2262236" y="5893455"/>
-              <a:ext cx="608500" cy="581405"/>
+            <a:xfrm>
+              <a:off x="1650420" y="4281573"/>
+              <a:ext cx="1011043" cy="327660"/>
             </a:xfrm>
-            <a:prstGeom prst="line">
+            <a:prstGeom prst="rect">
               <a:avLst/>
             </a:prstGeom>
-            <a:ln>
-              <a:solidFill>
-                <a:schemeClr val="bg1">
-                  <a:lumMod val="50000"/>
-                </a:schemeClr>
-              </a:solidFill>
-            </a:ln>
+            <a:noFill/>
           </p:spPr>
-          <p:style>
-            <a:lnRef idx="1">
-              <a:schemeClr val="accent1"/>
-            </a:lnRef>
-            <a:fillRef idx="0">
-              <a:schemeClr val="accent1"/>
-            </a:fillRef>
-            <a:effectRef idx="0">
-              <a:schemeClr val="accent1"/>
-            </a:effectRef>
-            <a:fontRef idx="minor">
-              <a:schemeClr val="tx1"/>
-            </a:fontRef>
-          </p:style>
-        </p:cxnSp>
+          <p:txBody>
+            <a:bodyPr wrap="none" rtlCol="0">
+              <a:spAutoFit/>
+            </a:bodyPr>
+            <a:lstStyle/>
+            <a:p>
+              <a:r>
+                <a:rPr lang="ko-KR" altLang="en-US" sz="1200" dirty="0" smtClean="0"/>
+                <a:t>상품 사진</a:t>
+              </a:r>
+              <a:endParaRPr lang="ko-KR" altLang="en-US" sz="1200" dirty="0"/>
+            </a:p>
+          </p:txBody>
+        </p:sp>
+        <p:sp>
+          <p:nvSpPr>
+            <p:cNvPr id="130" name="TextBox 129"/>
+            <p:cNvSpPr txBox="1"/>
+            <p:nvPr/>
+          </p:nvSpPr>
+          <p:spPr>
+            <a:xfrm>
+              <a:off x="1767869" y="5124901"/>
+              <a:ext cx="811944" cy="436880"/>
+            </a:xfrm>
+            <a:prstGeom prst="rect">
+              <a:avLst/>
+            </a:prstGeom>
+            <a:noFill/>
+          </p:spPr>
+          <p:txBody>
+            <a:bodyPr wrap="none" rtlCol="0">
+              <a:spAutoFit/>
+            </a:bodyPr>
+            <a:lstStyle/>
+            <a:p>
+              <a:r>
+                <a:rPr lang="ko-KR" altLang="en-US" sz="900" dirty="0" smtClean="0"/>
+                <a:t>상품 이름</a:t>
+              </a:r>
+              <a:endParaRPr lang="en-US" altLang="ko-KR" sz="900" dirty="0" smtClean="0"/>
+            </a:p>
+            <a:p>
+              <a:r>
+                <a:rPr lang="ko-KR" altLang="en-US" sz="900" dirty="0" smtClean="0"/>
+                <a:t>상품 가격</a:t>
+              </a:r>
+              <a:endParaRPr lang="ko-KR" altLang="en-US" sz="900" dirty="0"/>
+            </a:p>
+          </p:txBody>
+        </p:sp>
       </p:grpSp>
       <p:grpSp>
         <p:nvGrpSpPr>
-          <p:cNvPr id="124" name="그룹 123"/>
+          <p:cNvPr id="133" name="그룹 132"/>
           <p:cNvGrpSpPr/>
           <p:nvPr/>
         </p:nvGrpSpPr>
         <p:grpSpPr>
           <a:xfrm>
-            <a:off x="3771602" y="5892110"/>
-            <a:ext cx="1408192" cy="581406"/>
-            <a:chOff x="1462544" y="5375314"/>
-            <a:chExt cx="1408192" cy="581406"/>
+            <a:off x="3802197" y="2947417"/>
+            <a:ext cx="1190465" cy="1475952"/>
+            <a:chOff x="1462544" y="3815888"/>
+            <a:chExt cx="1408192" cy="1745893"/>
           </a:xfrm>
         </p:grpSpPr>
+        <p:grpSp>
+          <p:nvGrpSpPr>
+            <p:cNvPr id="134" name="그룹 133">
+              <a:extLst>
+                <a:ext uri="{FF2B5EF4-FFF2-40B4-BE49-F238E27FC236}">
+                  <a16:creationId xmlns:a16="http://schemas.microsoft.com/office/drawing/2014/main" id="{69C77F86-C997-45E7-A415-0973E08BEA96}"/>
+                </a:ext>
+              </a:extLst>
+            </p:cNvPr>
+            <p:cNvGrpSpPr/>
+            <p:nvPr/>
+          </p:nvGrpSpPr>
+          <p:grpSpPr>
+            <a:xfrm>
+              <a:off x="1462545" y="3815888"/>
+              <a:ext cx="1408191" cy="1255127"/>
+              <a:chOff x="179512" y="411510"/>
+              <a:chExt cx="1296144" cy="432049"/>
+            </a:xfrm>
+          </p:grpSpPr>
+          <p:sp>
+            <p:nvSpPr>
+              <p:cNvPr id="138" name="직사각형 137">
+                <a:extLst>
+                  <a:ext uri="{FF2B5EF4-FFF2-40B4-BE49-F238E27FC236}">
+                    <a16:creationId xmlns:a16="http://schemas.microsoft.com/office/drawing/2014/main" id="{4FAFBB30-6FC3-4D66-8935-61E806DAB421}"/>
+                  </a:ext>
+                </a:extLst>
+              </p:cNvPr>
+              <p:cNvSpPr/>
+              <p:nvPr/>
+            </p:nvSpPr>
+            <p:spPr>
+              <a:xfrm>
+                <a:off x="179512" y="411511"/>
+                <a:ext cx="1296144" cy="432048"/>
+              </a:xfrm>
+              <a:prstGeom prst="rect">
+                <a:avLst/>
+              </a:prstGeom>
+              <a:solidFill>
+                <a:schemeClr val="bg1">
+                  <a:lumMod val="95000"/>
+                  <a:alpha val="70000"/>
+                </a:schemeClr>
+              </a:solidFill>
+              <a:ln w="9525">
+                <a:solidFill>
+                  <a:schemeClr val="bg1">
+                    <a:lumMod val="65000"/>
+                  </a:schemeClr>
+                </a:solidFill>
+              </a:ln>
+            </p:spPr>
+            <p:style>
+              <a:lnRef idx="2">
+                <a:schemeClr val="accent1">
+                  <a:shade val="50000"/>
+                </a:schemeClr>
+              </a:lnRef>
+              <a:fillRef idx="1">
+                <a:schemeClr val="accent1"/>
+              </a:fillRef>
+              <a:effectRef idx="0">
+                <a:schemeClr val="accent1"/>
+              </a:effectRef>
+              <a:fontRef idx="minor">
+                <a:schemeClr val="lt1"/>
+              </a:fontRef>
+            </p:style>
+            <p:txBody>
+              <a:bodyPr rtlCol="0" anchor="ctr"/>
+              <a:lstStyle/>
+              <a:p>
+                <a:pPr algn="ctr"/>
+                <a:r>
+                  <a:rPr lang="en-US" altLang="ko-KR" sz="1400" dirty="0">
+                    <a:solidFill>
+                      <a:prstClr val="white"/>
+                    </a:solidFill>
+                    <a:latin typeface="+mn-ea"/>
+                    <a:ea typeface="+mn-ea"/>
+                  </a:rPr>
+                  <a:t>`</a:t>
+                </a:r>
+                <a:endParaRPr lang="ko-KR" altLang="en-US" sz="1400" dirty="0">
+                  <a:solidFill>
+                    <a:prstClr val="white"/>
+                  </a:solidFill>
+                  <a:latin typeface="+mn-ea"/>
+                  <a:ea typeface="+mn-ea"/>
+                </a:endParaRPr>
+              </a:p>
+            </p:txBody>
+          </p:sp>
+          <p:cxnSp>
+            <p:nvCxnSpPr>
+              <p:cNvPr id="139" name="직선 연결선 138">
+                <a:extLst>
+                  <a:ext uri="{FF2B5EF4-FFF2-40B4-BE49-F238E27FC236}">
+                    <a16:creationId xmlns:a16="http://schemas.microsoft.com/office/drawing/2014/main" id="{AB9A57B3-35DE-4B2F-9558-FA4325CA399F}"/>
+                  </a:ext>
+                </a:extLst>
+              </p:cNvPr>
+              <p:cNvCxnSpPr/>
+              <p:nvPr/>
+            </p:nvCxnSpPr>
+            <p:spPr>
+              <a:xfrm flipH="1">
+                <a:off x="179512" y="411510"/>
+                <a:ext cx="1296144" cy="432048"/>
+              </a:xfrm>
+              <a:prstGeom prst="line">
+                <a:avLst/>
+              </a:prstGeom>
+              <a:ln>
+                <a:solidFill>
+                  <a:schemeClr val="bg1">
+                    <a:lumMod val="50000"/>
+                  </a:schemeClr>
+                </a:solidFill>
+              </a:ln>
+            </p:spPr>
+            <p:style>
+              <a:lnRef idx="1">
+                <a:schemeClr val="accent1"/>
+              </a:lnRef>
+              <a:fillRef idx="0">
+                <a:schemeClr val="accent1"/>
+              </a:fillRef>
+              <a:effectRef idx="0">
+                <a:schemeClr val="accent1"/>
+              </a:effectRef>
+              <a:fontRef idx="minor">
+                <a:schemeClr val="tx1"/>
+              </a:fontRef>
+            </p:style>
+          </p:cxnSp>
+        </p:grpSp>
         <p:sp>
           <p:nvSpPr>
-            <p:cNvPr id="125" name="직사각형 124">
+            <p:cNvPr id="135" name="직사각형 134">
               <a:extLst>
                 <a:ext uri="{FF2B5EF4-FFF2-40B4-BE49-F238E27FC236}">
                   <a16:creationId xmlns:a16="http://schemas.microsoft.com/office/drawing/2014/main" id="{4FAFBB30-6FC3-4D66-8935-61E806DAB421}"/>
@@ -10423,8 +10278,8 @@
           </p:nvSpPr>
           <p:spPr>
             <a:xfrm>
-              <a:off x="1462544" y="5375317"/>
-              <a:ext cx="1408191" cy="581403"/>
+              <a:off x="1462544" y="5126380"/>
+              <a:ext cx="1408191" cy="405341"/>
             </a:xfrm>
             <a:prstGeom prst="rect">
               <a:avLst/>
@@ -10465,7 +10320,7 @@
             <a:p>
               <a:pPr algn="ctr"/>
               <a:r>
-                <a:rPr lang="en-US" altLang="ko-KR" dirty="0">
+                <a:rPr lang="en-US" altLang="ko-KR" sz="1400" dirty="0">
                   <a:solidFill>
                     <a:prstClr val="white"/>
                   </a:solidFill>
@@ -10474,7 +10329,7 @@
                 </a:rPr>
                 <a:t>`</a:t>
               </a:r>
-              <a:endParaRPr lang="ko-KR" altLang="en-US" dirty="0">
+              <a:endParaRPr lang="ko-KR" altLang="en-US" sz="1400" dirty="0">
                 <a:solidFill>
                   <a:prstClr val="white"/>
                 </a:solidFill>
@@ -10484,67 +10339,230 @@
             </a:p>
           </p:txBody>
         </p:sp>
-        <p:cxnSp>
-          <p:nvCxnSpPr>
-            <p:cNvPr id="126" name="직선 연결선 125">
-              <a:extLst>
-                <a:ext uri="{FF2B5EF4-FFF2-40B4-BE49-F238E27FC236}">
-                  <a16:creationId xmlns:a16="http://schemas.microsoft.com/office/drawing/2014/main" id="{AB9A57B3-35DE-4B2F-9558-FA4325CA399F}"/>
-                </a:ext>
-              </a:extLst>
-            </p:cNvPr>
-            <p:cNvCxnSpPr/>
+        <p:sp>
+          <p:nvSpPr>
+            <p:cNvPr id="136" name="TextBox 135"/>
+            <p:cNvSpPr txBox="1"/>
             <p:nvPr/>
-          </p:nvCxnSpPr>
+          </p:nvSpPr>
           <p:spPr>
-            <a:xfrm flipH="1">
-              <a:off x="2262236" y="5375314"/>
-              <a:ext cx="608500" cy="581405"/>
+            <a:xfrm>
+              <a:off x="1650420" y="4281573"/>
+              <a:ext cx="1011043" cy="327660"/>
             </a:xfrm>
-            <a:prstGeom prst="line">
+            <a:prstGeom prst="rect">
               <a:avLst/>
             </a:prstGeom>
-            <a:ln>
-              <a:solidFill>
-                <a:schemeClr val="bg1">
-                  <a:lumMod val="50000"/>
-                </a:schemeClr>
-              </a:solidFill>
-            </a:ln>
+            <a:noFill/>
           </p:spPr>
-          <p:style>
-            <a:lnRef idx="1">
-              <a:schemeClr val="accent1"/>
-            </a:lnRef>
-            <a:fillRef idx="0">
-              <a:schemeClr val="accent1"/>
-            </a:fillRef>
-            <a:effectRef idx="0">
-              <a:schemeClr val="accent1"/>
-            </a:effectRef>
-            <a:fontRef idx="minor">
-              <a:schemeClr val="tx1"/>
-            </a:fontRef>
-          </p:style>
-        </p:cxnSp>
+          <p:txBody>
+            <a:bodyPr wrap="none" rtlCol="0">
+              <a:spAutoFit/>
+            </a:bodyPr>
+            <a:lstStyle/>
+            <a:p>
+              <a:r>
+                <a:rPr lang="ko-KR" altLang="en-US" sz="1200" dirty="0" smtClean="0"/>
+                <a:t>상품 사진</a:t>
+              </a:r>
+              <a:endParaRPr lang="ko-KR" altLang="en-US" sz="1200" dirty="0"/>
+            </a:p>
+          </p:txBody>
+        </p:sp>
+        <p:sp>
+          <p:nvSpPr>
+            <p:cNvPr id="137" name="TextBox 136"/>
+            <p:cNvSpPr txBox="1"/>
+            <p:nvPr/>
+          </p:nvSpPr>
+          <p:spPr>
+            <a:xfrm>
+              <a:off x="1767869" y="5124901"/>
+              <a:ext cx="811944" cy="436880"/>
+            </a:xfrm>
+            <a:prstGeom prst="rect">
+              <a:avLst/>
+            </a:prstGeom>
+            <a:noFill/>
+          </p:spPr>
+          <p:txBody>
+            <a:bodyPr wrap="none" rtlCol="0">
+              <a:spAutoFit/>
+            </a:bodyPr>
+            <a:lstStyle/>
+            <a:p>
+              <a:r>
+                <a:rPr lang="ko-KR" altLang="en-US" sz="900" dirty="0" smtClean="0"/>
+                <a:t>상품 이름</a:t>
+              </a:r>
+              <a:endParaRPr lang="en-US" altLang="ko-KR" sz="900" dirty="0" smtClean="0"/>
+            </a:p>
+            <a:p>
+              <a:r>
+                <a:rPr lang="ko-KR" altLang="en-US" sz="900" dirty="0" smtClean="0"/>
+                <a:t>상품 가격</a:t>
+              </a:r>
+              <a:endParaRPr lang="ko-KR" altLang="en-US" sz="900" dirty="0"/>
+            </a:p>
+          </p:txBody>
+        </p:sp>
       </p:grpSp>
       <p:grpSp>
         <p:nvGrpSpPr>
-          <p:cNvPr id="127" name="그룹 126"/>
+          <p:cNvPr id="140" name="그룹 139"/>
           <p:cNvGrpSpPr/>
           <p:nvPr/>
         </p:nvGrpSpPr>
         <p:grpSpPr>
           <a:xfrm>
-            <a:off x="6080958" y="5892614"/>
-            <a:ext cx="1408192" cy="581406"/>
-            <a:chOff x="1462544" y="5387346"/>
-            <a:chExt cx="1408192" cy="581406"/>
+            <a:off x="5089779" y="2947417"/>
+            <a:ext cx="1190465" cy="1475952"/>
+            <a:chOff x="1462544" y="3815888"/>
+            <a:chExt cx="1408192" cy="1745893"/>
           </a:xfrm>
         </p:grpSpPr>
+        <p:grpSp>
+          <p:nvGrpSpPr>
+            <p:cNvPr id="141" name="그룹 140">
+              <a:extLst>
+                <a:ext uri="{FF2B5EF4-FFF2-40B4-BE49-F238E27FC236}">
+                  <a16:creationId xmlns:a16="http://schemas.microsoft.com/office/drawing/2014/main" id="{69C77F86-C997-45E7-A415-0973E08BEA96}"/>
+                </a:ext>
+              </a:extLst>
+            </p:cNvPr>
+            <p:cNvGrpSpPr/>
+            <p:nvPr/>
+          </p:nvGrpSpPr>
+          <p:grpSpPr>
+            <a:xfrm>
+              <a:off x="1462545" y="3815888"/>
+              <a:ext cx="1408191" cy="1255127"/>
+              <a:chOff x="179512" y="411510"/>
+              <a:chExt cx="1296144" cy="432049"/>
+            </a:xfrm>
+          </p:grpSpPr>
+          <p:sp>
+            <p:nvSpPr>
+              <p:cNvPr id="145" name="직사각형 144">
+                <a:extLst>
+                  <a:ext uri="{FF2B5EF4-FFF2-40B4-BE49-F238E27FC236}">
+                    <a16:creationId xmlns:a16="http://schemas.microsoft.com/office/drawing/2014/main" id="{4FAFBB30-6FC3-4D66-8935-61E806DAB421}"/>
+                  </a:ext>
+                </a:extLst>
+              </p:cNvPr>
+              <p:cNvSpPr/>
+              <p:nvPr/>
+            </p:nvSpPr>
+            <p:spPr>
+              <a:xfrm>
+                <a:off x="179512" y="411511"/>
+                <a:ext cx="1296144" cy="432048"/>
+              </a:xfrm>
+              <a:prstGeom prst="rect">
+                <a:avLst/>
+              </a:prstGeom>
+              <a:solidFill>
+                <a:schemeClr val="bg1">
+                  <a:lumMod val="95000"/>
+                  <a:alpha val="70000"/>
+                </a:schemeClr>
+              </a:solidFill>
+              <a:ln w="9525">
+                <a:solidFill>
+                  <a:schemeClr val="bg1">
+                    <a:lumMod val="65000"/>
+                  </a:schemeClr>
+                </a:solidFill>
+              </a:ln>
+            </p:spPr>
+            <p:style>
+              <a:lnRef idx="2">
+                <a:schemeClr val="accent1">
+                  <a:shade val="50000"/>
+                </a:schemeClr>
+              </a:lnRef>
+              <a:fillRef idx="1">
+                <a:schemeClr val="accent1"/>
+              </a:fillRef>
+              <a:effectRef idx="0">
+                <a:schemeClr val="accent1"/>
+              </a:effectRef>
+              <a:fontRef idx="minor">
+                <a:schemeClr val="lt1"/>
+              </a:fontRef>
+            </p:style>
+            <p:txBody>
+              <a:bodyPr rtlCol="0" anchor="ctr"/>
+              <a:lstStyle/>
+              <a:p>
+                <a:pPr algn="ctr"/>
+                <a:r>
+                  <a:rPr lang="en-US" altLang="ko-KR" sz="1400" dirty="0">
+                    <a:solidFill>
+                      <a:prstClr val="white"/>
+                    </a:solidFill>
+                    <a:latin typeface="+mn-ea"/>
+                    <a:ea typeface="+mn-ea"/>
+                  </a:rPr>
+                  <a:t>`</a:t>
+                </a:r>
+                <a:endParaRPr lang="ko-KR" altLang="en-US" sz="1400" dirty="0">
+                  <a:solidFill>
+                    <a:prstClr val="white"/>
+                  </a:solidFill>
+                  <a:latin typeface="+mn-ea"/>
+                  <a:ea typeface="+mn-ea"/>
+                </a:endParaRPr>
+              </a:p>
+            </p:txBody>
+          </p:sp>
+          <p:cxnSp>
+            <p:nvCxnSpPr>
+              <p:cNvPr id="146" name="직선 연결선 145">
+                <a:extLst>
+                  <a:ext uri="{FF2B5EF4-FFF2-40B4-BE49-F238E27FC236}">
+                    <a16:creationId xmlns:a16="http://schemas.microsoft.com/office/drawing/2014/main" id="{AB9A57B3-35DE-4B2F-9558-FA4325CA399F}"/>
+                  </a:ext>
+                </a:extLst>
+              </p:cNvPr>
+              <p:cNvCxnSpPr/>
+              <p:nvPr/>
+            </p:nvCxnSpPr>
+            <p:spPr>
+              <a:xfrm flipH="1">
+                <a:off x="179512" y="411510"/>
+                <a:ext cx="1296144" cy="432048"/>
+              </a:xfrm>
+              <a:prstGeom prst="line">
+                <a:avLst/>
+              </a:prstGeom>
+              <a:ln>
+                <a:solidFill>
+                  <a:schemeClr val="bg1">
+                    <a:lumMod val="50000"/>
+                  </a:schemeClr>
+                </a:solidFill>
+              </a:ln>
+            </p:spPr>
+            <p:style>
+              <a:lnRef idx="1">
+                <a:schemeClr val="accent1"/>
+              </a:lnRef>
+              <a:fillRef idx="0">
+                <a:schemeClr val="accent1"/>
+              </a:fillRef>
+              <a:effectRef idx="0">
+                <a:schemeClr val="accent1"/>
+              </a:effectRef>
+              <a:fontRef idx="minor">
+                <a:schemeClr val="tx1"/>
+              </a:fontRef>
+            </p:style>
+          </p:cxnSp>
+        </p:grpSp>
         <p:sp>
           <p:nvSpPr>
-            <p:cNvPr id="128" name="직사각형 127">
+            <p:cNvPr id="142" name="직사각형 141">
               <a:extLst>
                 <a:ext uri="{FF2B5EF4-FFF2-40B4-BE49-F238E27FC236}">
                   <a16:creationId xmlns:a16="http://schemas.microsoft.com/office/drawing/2014/main" id="{4FAFBB30-6FC3-4D66-8935-61E806DAB421}"/>
@@ -10556,8 +10574,8 @@
           </p:nvSpPr>
           <p:spPr>
             <a:xfrm>
-              <a:off x="1462544" y="5387349"/>
-              <a:ext cx="1408191" cy="581403"/>
+              <a:off x="1462544" y="5126380"/>
+              <a:ext cx="1408191" cy="405341"/>
             </a:xfrm>
             <a:prstGeom prst="rect">
               <a:avLst/>
@@ -10598,7 +10616,7 @@
             <a:p>
               <a:pPr algn="ctr"/>
               <a:r>
-                <a:rPr lang="en-US" altLang="ko-KR" dirty="0">
+                <a:rPr lang="en-US" altLang="ko-KR" sz="1400" dirty="0">
                   <a:solidFill>
                     <a:prstClr val="white"/>
                   </a:solidFill>
@@ -10607,7 +10625,7 @@
                 </a:rPr>
                 <a:t>`</a:t>
               </a:r>
-              <a:endParaRPr lang="ko-KR" altLang="en-US" dirty="0">
+              <a:endParaRPr lang="ko-KR" altLang="en-US" sz="1400" dirty="0">
                 <a:solidFill>
                   <a:prstClr val="white"/>
                 </a:solidFill>
@@ -10617,50 +10635,1915 @@
             </a:p>
           </p:txBody>
         </p:sp>
-        <p:cxnSp>
-          <p:nvCxnSpPr>
-            <p:cNvPr id="129" name="직선 연결선 128">
+        <p:sp>
+          <p:nvSpPr>
+            <p:cNvPr id="143" name="TextBox 142"/>
+            <p:cNvSpPr txBox="1"/>
+            <p:nvPr/>
+          </p:nvSpPr>
+          <p:spPr>
+            <a:xfrm>
+              <a:off x="1650420" y="4281573"/>
+              <a:ext cx="1011043" cy="327660"/>
+            </a:xfrm>
+            <a:prstGeom prst="rect">
+              <a:avLst/>
+            </a:prstGeom>
+            <a:noFill/>
+          </p:spPr>
+          <p:txBody>
+            <a:bodyPr wrap="none" rtlCol="0">
+              <a:spAutoFit/>
+            </a:bodyPr>
+            <a:lstStyle/>
+            <a:p>
+              <a:r>
+                <a:rPr lang="ko-KR" altLang="en-US" sz="1200" dirty="0" smtClean="0"/>
+                <a:t>상품 사진</a:t>
+              </a:r>
+              <a:endParaRPr lang="ko-KR" altLang="en-US" sz="1200" dirty="0"/>
+            </a:p>
+          </p:txBody>
+        </p:sp>
+        <p:sp>
+          <p:nvSpPr>
+            <p:cNvPr id="144" name="TextBox 143"/>
+            <p:cNvSpPr txBox="1"/>
+            <p:nvPr/>
+          </p:nvSpPr>
+          <p:spPr>
+            <a:xfrm>
+              <a:off x="1767869" y="5124901"/>
+              <a:ext cx="811944" cy="436880"/>
+            </a:xfrm>
+            <a:prstGeom prst="rect">
+              <a:avLst/>
+            </a:prstGeom>
+            <a:noFill/>
+          </p:spPr>
+          <p:txBody>
+            <a:bodyPr wrap="none" rtlCol="0">
+              <a:spAutoFit/>
+            </a:bodyPr>
+            <a:lstStyle/>
+            <a:p>
+              <a:r>
+                <a:rPr lang="ko-KR" altLang="en-US" sz="900" dirty="0" smtClean="0"/>
+                <a:t>상품 이름</a:t>
+              </a:r>
+              <a:endParaRPr lang="en-US" altLang="ko-KR" sz="900" dirty="0" smtClean="0"/>
+            </a:p>
+            <a:p>
+              <a:r>
+                <a:rPr lang="ko-KR" altLang="en-US" sz="900" dirty="0" smtClean="0"/>
+                <a:t>상품 가격</a:t>
+              </a:r>
+              <a:endParaRPr lang="ko-KR" altLang="en-US" sz="900" dirty="0"/>
+            </a:p>
+          </p:txBody>
+        </p:sp>
+      </p:grpSp>
+      <p:grpSp>
+        <p:nvGrpSpPr>
+          <p:cNvPr id="147" name="그룹 146"/>
+          <p:cNvGrpSpPr/>
+          <p:nvPr/>
+        </p:nvGrpSpPr>
+        <p:grpSpPr>
+          <a:xfrm>
+            <a:off x="6371042" y="2947417"/>
+            <a:ext cx="1190465" cy="1475952"/>
+            <a:chOff x="1462544" y="3815888"/>
+            <a:chExt cx="1408192" cy="1745893"/>
+          </a:xfrm>
+        </p:grpSpPr>
+        <p:grpSp>
+          <p:nvGrpSpPr>
+            <p:cNvPr id="148" name="그룹 147">
               <a:extLst>
                 <a:ext uri="{FF2B5EF4-FFF2-40B4-BE49-F238E27FC236}">
-                  <a16:creationId xmlns:a16="http://schemas.microsoft.com/office/drawing/2014/main" id="{AB9A57B3-35DE-4B2F-9558-FA4325CA399F}"/>
+                  <a16:creationId xmlns:a16="http://schemas.microsoft.com/office/drawing/2014/main" id="{69C77F86-C997-45E7-A415-0973E08BEA96}"/>
                 </a:ext>
               </a:extLst>
             </p:cNvPr>
-            <p:cNvCxnSpPr/>
+            <p:cNvGrpSpPr/>
             <p:nvPr/>
-          </p:nvCxnSpPr>
+          </p:nvGrpSpPr>
+          <p:grpSpPr>
+            <a:xfrm>
+              <a:off x="1462545" y="3815888"/>
+              <a:ext cx="1408191" cy="1255127"/>
+              <a:chOff x="179512" y="411510"/>
+              <a:chExt cx="1296144" cy="432049"/>
+            </a:xfrm>
+          </p:grpSpPr>
+          <p:sp>
+            <p:nvSpPr>
+              <p:cNvPr id="152" name="직사각형 151">
+                <a:extLst>
+                  <a:ext uri="{FF2B5EF4-FFF2-40B4-BE49-F238E27FC236}">
+                    <a16:creationId xmlns:a16="http://schemas.microsoft.com/office/drawing/2014/main" id="{4FAFBB30-6FC3-4D66-8935-61E806DAB421}"/>
+                  </a:ext>
+                </a:extLst>
+              </p:cNvPr>
+              <p:cNvSpPr/>
+              <p:nvPr/>
+            </p:nvSpPr>
+            <p:spPr>
+              <a:xfrm>
+                <a:off x="179512" y="411511"/>
+                <a:ext cx="1296144" cy="432048"/>
+              </a:xfrm>
+              <a:prstGeom prst="rect">
+                <a:avLst/>
+              </a:prstGeom>
+              <a:solidFill>
+                <a:schemeClr val="bg1">
+                  <a:lumMod val="95000"/>
+                  <a:alpha val="70000"/>
+                </a:schemeClr>
+              </a:solidFill>
+              <a:ln w="9525">
+                <a:solidFill>
+                  <a:schemeClr val="bg1">
+                    <a:lumMod val="65000"/>
+                  </a:schemeClr>
+                </a:solidFill>
+              </a:ln>
+            </p:spPr>
+            <p:style>
+              <a:lnRef idx="2">
+                <a:schemeClr val="accent1">
+                  <a:shade val="50000"/>
+                </a:schemeClr>
+              </a:lnRef>
+              <a:fillRef idx="1">
+                <a:schemeClr val="accent1"/>
+              </a:fillRef>
+              <a:effectRef idx="0">
+                <a:schemeClr val="accent1"/>
+              </a:effectRef>
+              <a:fontRef idx="minor">
+                <a:schemeClr val="lt1"/>
+              </a:fontRef>
+            </p:style>
+            <p:txBody>
+              <a:bodyPr rtlCol="0" anchor="ctr"/>
+              <a:lstStyle/>
+              <a:p>
+                <a:pPr algn="ctr"/>
+                <a:r>
+                  <a:rPr lang="en-US" altLang="ko-KR" sz="1400" dirty="0">
+                    <a:solidFill>
+                      <a:prstClr val="white"/>
+                    </a:solidFill>
+                    <a:latin typeface="+mn-ea"/>
+                    <a:ea typeface="+mn-ea"/>
+                  </a:rPr>
+                  <a:t>`</a:t>
+                </a:r>
+                <a:endParaRPr lang="ko-KR" altLang="en-US" sz="1400" dirty="0">
+                  <a:solidFill>
+                    <a:prstClr val="white"/>
+                  </a:solidFill>
+                  <a:latin typeface="+mn-ea"/>
+                  <a:ea typeface="+mn-ea"/>
+                </a:endParaRPr>
+              </a:p>
+            </p:txBody>
+          </p:sp>
+          <p:cxnSp>
+            <p:nvCxnSpPr>
+              <p:cNvPr id="153" name="직선 연결선 152">
+                <a:extLst>
+                  <a:ext uri="{FF2B5EF4-FFF2-40B4-BE49-F238E27FC236}">
+                    <a16:creationId xmlns:a16="http://schemas.microsoft.com/office/drawing/2014/main" id="{AB9A57B3-35DE-4B2F-9558-FA4325CA399F}"/>
+                  </a:ext>
+                </a:extLst>
+              </p:cNvPr>
+              <p:cNvCxnSpPr/>
+              <p:nvPr/>
+            </p:nvCxnSpPr>
+            <p:spPr>
+              <a:xfrm flipH="1">
+                <a:off x="179512" y="411510"/>
+                <a:ext cx="1296144" cy="432048"/>
+              </a:xfrm>
+              <a:prstGeom prst="line">
+                <a:avLst/>
+              </a:prstGeom>
+              <a:ln>
+                <a:solidFill>
+                  <a:schemeClr val="bg1">
+                    <a:lumMod val="50000"/>
+                  </a:schemeClr>
+                </a:solidFill>
+              </a:ln>
+            </p:spPr>
+            <p:style>
+              <a:lnRef idx="1">
+                <a:schemeClr val="accent1"/>
+              </a:lnRef>
+              <a:fillRef idx="0">
+                <a:schemeClr val="accent1"/>
+              </a:fillRef>
+              <a:effectRef idx="0">
+                <a:schemeClr val="accent1"/>
+              </a:effectRef>
+              <a:fontRef idx="minor">
+                <a:schemeClr val="tx1"/>
+              </a:fontRef>
+            </p:style>
+          </p:cxnSp>
+        </p:grpSp>
+        <p:sp>
+          <p:nvSpPr>
+            <p:cNvPr id="149" name="직사각형 148">
+              <a:extLst>
+                <a:ext uri="{FF2B5EF4-FFF2-40B4-BE49-F238E27FC236}">
+                  <a16:creationId xmlns:a16="http://schemas.microsoft.com/office/drawing/2014/main" id="{4FAFBB30-6FC3-4D66-8935-61E806DAB421}"/>
+                </a:ext>
+              </a:extLst>
+            </p:cNvPr>
+            <p:cNvSpPr/>
+            <p:nvPr/>
+          </p:nvSpPr>
           <p:spPr>
-            <a:xfrm flipH="1">
-              <a:off x="2262236" y="5387346"/>
-              <a:ext cx="608500" cy="581405"/>
+            <a:xfrm>
+              <a:off x="1462544" y="5126380"/>
+              <a:ext cx="1408191" cy="405341"/>
             </a:xfrm>
-            <a:prstGeom prst="line">
+            <a:prstGeom prst="rect">
               <a:avLst/>
             </a:prstGeom>
-            <a:ln>
+            <a:solidFill>
+              <a:schemeClr val="bg1">
+                <a:lumMod val="95000"/>
+                <a:alpha val="70000"/>
+              </a:schemeClr>
+            </a:solidFill>
+            <a:ln w="9525">
               <a:solidFill>
                 <a:schemeClr val="bg1">
-                  <a:lumMod val="50000"/>
+                  <a:lumMod val="65000"/>
                 </a:schemeClr>
               </a:solidFill>
             </a:ln>
           </p:spPr>
           <p:style>
-            <a:lnRef idx="1">
-              <a:schemeClr val="accent1"/>
+            <a:lnRef idx="2">
+              <a:schemeClr val="accent1">
+                <a:shade val="50000"/>
+              </a:schemeClr>
             </a:lnRef>
-            <a:fillRef idx="0">
+            <a:fillRef idx="1">
               <a:schemeClr val="accent1"/>
             </a:fillRef>
             <a:effectRef idx="0">
               <a:schemeClr val="accent1"/>
             </a:effectRef>
             <a:fontRef idx="minor">
-              <a:schemeClr val="tx1"/>
+              <a:schemeClr val="lt1"/>
             </a:fontRef>
           </p:style>
-        </p:cxnSp>
+          <p:txBody>
+            <a:bodyPr rtlCol="0" anchor="ctr"/>
+            <a:lstStyle/>
+            <a:p>
+              <a:pPr algn="ctr"/>
+              <a:r>
+                <a:rPr lang="en-US" altLang="ko-KR" sz="1400" dirty="0">
+                  <a:solidFill>
+                    <a:prstClr val="white"/>
+                  </a:solidFill>
+                  <a:latin typeface="+mn-ea"/>
+                  <a:ea typeface="+mn-ea"/>
+                </a:rPr>
+                <a:t>`</a:t>
+              </a:r>
+              <a:endParaRPr lang="ko-KR" altLang="en-US" sz="1400" dirty="0">
+                <a:solidFill>
+                  <a:prstClr val="white"/>
+                </a:solidFill>
+                <a:latin typeface="+mn-ea"/>
+                <a:ea typeface="+mn-ea"/>
+              </a:endParaRPr>
+            </a:p>
+          </p:txBody>
+        </p:sp>
+        <p:sp>
+          <p:nvSpPr>
+            <p:cNvPr id="150" name="TextBox 149"/>
+            <p:cNvSpPr txBox="1"/>
+            <p:nvPr/>
+          </p:nvSpPr>
+          <p:spPr>
+            <a:xfrm>
+              <a:off x="1650420" y="4281573"/>
+              <a:ext cx="1011043" cy="327660"/>
+            </a:xfrm>
+            <a:prstGeom prst="rect">
+              <a:avLst/>
+            </a:prstGeom>
+            <a:noFill/>
+          </p:spPr>
+          <p:txBody>
+            <a:bodyPr wrap="none" rtlCol="0">
+              <a:spAutoFit/>
+            </a:bodyPr>
+            <a:lstStyle/>
+            <a:p>
+              <a:r>
+                <a:rPr lang="ko-KR" altLang="en-US" sz="1200" dirty="0" smtClean="0"/>
+                <a:t>상품 사진</a:t>
+              </a:r>
+              <a:endParaRPr lang="ko-KR" altLang="en-US" sz="1200" dirty="0"/>
+            </a:p>
+          </p:txBody>
+        </p:sp>
+        <p:sp>
+          <p:nvSpPr>
+            <p:cNvPr id="151" name="TextBox 150"/>
+            <p:cNvSpPr txBox="1"/>
+            <p:nvPr/>
+          </p:nvSpPr>
+          <p:spPr>
+            <a:xfrm>
+              <a:off x="1767869" y="5124901"/>
+              <a:ext cx="811944" cy="436880"/>
+            </a:xfrm>
+            <a:prstGeom prst="rect">
+              <a:avLst/>
+            </a:prstGeom>
+            <a:noFill/>
+          </p:spPr>
+          <p:txBody>
+            <a:bodyPr wrap="none" rtlCol="0">
+              <a:spAutoFit/>
+            </a:bodyPr>
+            <a:lstStyle/>
+            <a:p>
+              <a:r>
+                <a:rPr lang="ko-KR" altLang="en-US" sz="900" dirty="0" smtClean="0"/>
+                <a:t>상품 이름</a:t>
+              </a:r>
+              <a:endParaRPr lang="en-US" altLang="ko-KR" sz="900" dirty="0" smtClean="0"/>
+            </a:p>
+            <a:p>
+              <a:r>
+                <a:rPr lang="ko-KR" altLang="en-US" sz="900" dirty="0" smtClean="0"/>
+                <a:t>상품 가격</a:t>
+              </a:r>
+              <a:endParaRPr lang="ko-KR" altLang="en-US" sz="900" dirty="0"/>
+            </a:p>
+          </p:txBody>
+        </p:sp>
       </p:grpSp>
+      <p:grpSp>
+        <p:nvGrpSpPr>
+          <p:cNvPr id="154" name="그룹 153"/>
+          <p:cNvGrpSpPr/>
+          <p:nvPr/>
+        </p:nvGrpSpPr>
+        <p:grpSpPr>
+          <a:xfrm>
+            <a:off x="1227033" y="4564409"/>
+            <a:ext cx="1190465" cy="1475952"/>
+            <a:chOff x="1462544" y="3815888"/>
+            <a:chExt cx="1408192" cy="1745893"/>
+          </a:xfrm>
+        </p:grpSpPr>
+        <p:grpSp>
+          <p:nvGrpSpPr>
+            <p:cNvPr id="155" name="그룹 154">
+              <a:extLst>
+                <a:ext uri="{FF2B5EF4-FFF2-40B4-BE49-F238E27FC236}">
+                  <a16:creationId xmlns:a16="http://schemas.microsoft.com/office/drawing/2014/main" id="{69C77F86-C997-45E7-A415-0973E08BEA96}"/>
+                </a:ext>
+              </a:extLst>
+            </p:cNvPr>
+            <p:cNvGrpSpPr/>
+            <p:nvPr/>
+          </p:nvGrpSpPr>
+          <p:grpSpPr>
+            <a:xfrm>
+              <a:off x="1462545" y="3815888"/>
+              <a:ext cx="1408191" cy="1255127"/>
+              <a:chOff x="179512" y="411510"/>
+              <a:chExt cx="1296144" cy="432049"/>
+            </a:xfrm>
+          </p:grpSpPr>
+          <p:sp>
+            <p:nvSpPr>
+              <p:cNvPr id="159" name="직사각형 158">
+                <a:extLst>
+                  <a:ext uri="{FF2B5EF4-FFF2-40B4-BE49-F238E27FC236}">
+                    <a16:creationId xmlns:a16="http://schemas.microsoft.com/office/drawing/2014/main" id="{4FAFBB30-6FC3-4D66-8935-61E806DAB421}"/>
+                  </a:ext>
+                </a:extLst>
+              </p:cNvPr>
+              <p:cNvSpPr/>
+              <p:nvPr/>
+            </p:nvSpPr>
+            <p:spPr>
+              <a:xfrm>
+                <a:off x="179512" y="411511"/>
+                <a:ext cx="1296144" cy="432048"/>
+              </a:xfrm>
+              <a:prstGeom prst="rect">
+                <a:avLst/>
+              </a:prstGeom>
+              <a:solidFill>
+                <a:schemeClr val="bg1">
+                  <a:lumMod val="95000"/>
+                  <a:alpha val="70000"/>
+                </a:schemeClr>
+              </a:solidFill>
+              <a:ln w="9525">
+                <a:solidFill>
+                  <a:schemeClr val="bg1">
+                    <a:lumMod val="65000"/>
+                  </a:schemeClr>
+                </a:solidFill>
+              </a:ln>
+            </p:spPr>
+            <p:style>
+              <a:lnRef idx="2">
+                <a:schemeClr val="accent1">
+                  <a:shade val="50000"/>
+                </a:schemeClr>
+              </a:lnRef>
+              <a:fillRef idx="1">
+                <a:schemeClr val="accent1"/>
+              </a:fillRef>
+              <a:effectRef idx="0">
+                <a:schemeClr val="accent1"/>
+              </a:effectRef>
+              <a:fontRef idx="minor">
+                <a:schemeClr val="lt1"/>
+              </a:fontRef>
+            </p:style>
+            <p:txBody>
+              <a:bodyPr rtlCol="0" anchor="ctr"/>
+              <a:lstStyle/>
+              <a:p>
+                <a:pPr algn="ctr"/>
+                <a:r>
+                  <a:rPr lang="en-US" altLang="ko-KR" sz="1400" dirty="0">
+                    <a:solidFill>
+                      <a:prstClr val="white"/>
+                    </a:solidFill>
+                    <a:latin typeface="+mn-ea"/>
+                    <a:ea typeface="+mn-ea"/>
+                  </a:rPr>
+                  <a:t>`</a:t>
+                </a:r>
+                <a:endParaRPr lang="ko-KR" altLang="en-US" sz="1400" dirty="0">
+                  <a:solidFill>
+                    <a:prstClr val="white"/>
+                  </a:solidFill>
+                  <a:latin typeface="+mn-ea"/>
+                  <a:ea typeface="+mn-ea"/>
+                </a:endParaRPr>
+              </a:p>
+            </p:txBody>
+          </p:sp>
+          <p:cxnSp>
+            <p:nvCxnSpPr>
+              <p:cNvPr id="160" name="직선 연결선 159">
+                <a:extLst>
+                  <a:ext uri="{FF2B5EF4-FFF2-40B4-BE49-F238E27FC236}">
+                    <a16:creationId xmlns:a16="http://schemas.microsoft.com/office/drawing/2014/main" id="{AB9A57B3-35DE-4B2F-9558-FA4325CA399F}"/>
+                  </a:ext>
+                </a:extLst>
+              </p:cNvPr>
+              <p:cNvCxnSpPr/>
+              <p:nvPr/>
+            </p:nvCxnSpPr>
+            <p:spPr>
+              <a:xfrm flipH="1">
+                <a:off x="179512" y="411510"/>
+                <a:ext cx="1296144" cy="432048"/>
+              </a:xfrm>
+              <a:prstGeom prst="line">
+                <a:avLst/>
+              </a:prstGeom>
+              <a:ln>
+                <a:solidFill>
+                  <a:schemeClr val="bg1">
+                    <a:lumMod val="50000"/>
+                  </a:schemeClr>
+                </a:solidFill>
+              </a:ln>
+            </p:spPr>
+            <p:style>
+              <a:lnRef idx="1">
+                <a:schemeClr val="accent1"/>
+              </a:lnRef>
+              <a:fillRef idx="0">
+                <a:schemeClr val="accent1"/>
+              </a:fillRef>
+              <a:effectRef idx="0">
+                <a:schemeClr val="accent1"/>
+              </a:effectRef>
+              <a:fontRef idx="minor">
+                <a:schemeClr val="tx1"/>
+              </a:fontRef>
+            </p:style>
+          </p:cxnSp>
+        </p:grpSp>
+        <p:sp>
+          <p:nvSpPr>
+            <p:cNvPr id="156" name="직사각형 155">
+              <a:extLst>
+                <a:ext uri="{FF2B5EF4-FFF2-40B4-BE49-F238E27FC236}">
+                  <a16:creationId xmlns:a16="http://schemas.microsoft.com/office/drawing/2014/main" id="{4FAFBB30-6FC3-4D66-8935-61E806DAB421}"/>
+                </a:ext>
+              </a:extLst>
+            </p:cNvPr>
+            <p:cNvSpPr/>
+            <p:nvPr/>
+          </p:nvSpPr>
+          <p:spPr>
+            <a:xfrm>
+              <a:off x="1462544" y="5126380"/>
+              <a:ext cx="1408191" cy="405341"/>
+            </a:xfrm>
+            <a:prstGeom prst="rect">
+              <a:avLst/>
+            </a:prstGeom>
+            <a:solidFill>
+              <a:schemeClr val="bg1">
+                <a:lumMod val="95000"/>
+                <a:alpha val="70000"/>
+              </a:schemeClr>
+            </a:solidFill>
+            <a:ln w="9525">
+              <a:solidFill>
+                <a:schemeClr val="bg1">
+                  <a:lumMod val="65000"/>
+                </a:schemeClr>
+              </a:solidFill>
+            </a:ln>
+          </p:spPr>
+          <p:style>
+            <a:lnRef idx="2">
+              <a:schemeClr val="accent1">
+                <a:shade val="50000"/>
+              </a:schemeClr>
+            </a:lnRef>
+            <a:fillRef idx="1">
+              <a:schemeClr val="accent1"/>
+            </a:fillRef>
+            <a:effectRef idx="0">
+              <a:schemeClr val="accent1"/>
+            </a:effectRef>
+            <a:fontRef idx="minor">
+              <a:schemeClr val="lt1"/>
+            </a:fontRef>
+          </p:style>
+          <p:txBody>
+            <a:bodyPr rtlCol="0" anchor="ctr"/>
+            <a:lstStyle/>
+            <a:p>
+              <a:pPr algn="ctr"/>
+              <a:r>
+                <a:rPr lang="en-US" altLang="ko-KR" sz="1400" dirty="0">
+                  <a:solidFill>
+                    <a:prstClr val="white"/>
+                  </a:solidFill>
+                  <a:latin typeface="+mn-ea"/>
+                  <a:ea typeface="+mn-ea"/>
+                </a:rPr>
+                <a:t>`</a:t>
+              </a:r>
+              <a:endParaRPr lang="ko-KR" altLang="en-US" sz="1400" dirty="0">
+                <a:solidFill>
+                  <a:prstClr val="white"/>
+                </a:solidFill>
+                <a:latin typeface="+mn-ea"/>
+                <a:ea typeface="+mn-ea"/>
+              </a:endParaRPr>
+            </a:p>
+          </p:txBody>
+        </p:sp>
+        <p:sp>
+          <p:nvSpPr>
+            <p:cNvPr id="157" name="TextBox 156"/>
+            <p:cNvSpPr txBox="1"/>
+            <p:nvPr/>
+          </p:nvSpPr>
+          <p:spPr>
+            <a:xfrm>
+              <a:off x="1650420" y="4281573"/>
+              <a:ext cx="1011043" cy="327660"/>
+            </a:xfrm>
+            <a:prstGeom prst="rect">
+              <a:avLst/>
+            </a:prstGeom>
+            <a:noFill/>
+          </p:spPr>
+          <p:txBody>
+            <a:bodyPr wrap="none" rtlCol="0">
+              <a:spAutoFit/>
+            </a:bodyPr>
+            <a:lstStyle/>
+            <a:p>
+              <a:r>
+                <a:rPr lang="ko-KR" altLang="en-US" sz="1200" dirty="0" smtClean="0"/>
+                <a:t>상품 사진</a:t>
+              </a:r>
+              <a:endParaRPr lang="ko-KR" altLang="en-US" sz="1200" dirty="0"/>
+            </a:p>
+          </p:txBody>
+        </p:sp>
+        <p:sp>
+          <p:nvSpPr>
+            <p:cNvPr id="158" name="TextBox 157"/>
+            <p:cNvSpPr txBox="1"/>
+            <p:nvPr/>
+          </p:nvSpPr>
+          <p:spPr>
+            <a:xfrm>
+              <a:off x="1767869" y="5124901"/>
+              <a:ext cx="811944" cy="436880"/>
+            </a:xfrm>
+            <a:prstGeom prst="rect">
+              <a:avLst/>
+            </a:prstGeom>
+            <a:noFill/>
+          </p:spPr>
+          <p:txBody>
+            <a:bodyPr wrap="none" rtlCol="0">
+              <a:spAutoFit/>
+            </a:bodyPr>
+            <a:lstStyle/>
+            <a:p>
+              <a:r>
+                <a:rPr lang="ko-KR" altLang="en-US" sz="900" dirty="0" smtClean="0"/>
+                <a:t>상품 이름</a:t>
+              </a:r>
+              <a:endParaRPr lang="en-US" altLang="ko-KR" sz="900" dirty="0" smtClean="0"/>
+            </a:p>
+            <a:p>
+              <a:r>
+                <a:rPr lang="ko-KR" altLang="en-US" sz="900" dirty="0" smtClean="0"/>
+                <a:t>상품 가격</a:t>
+              </a:r>
+              <a:endParaRPr lang="ko-KR" altLang="en-US" sz="900" dirty="0"/>
+            </a:p>
+          </p:txBody>
+        </p:sp>
+      </p:grpSp>
+      <p:grpSp>
+        <p:nvGrpSpPr>
+          <p:cNvPr id="161" name="그룹 160"/>
+          <p:cNvGrpSpPr/>
+          <p:nvPr/>
+        </p:nvGrpSpPr>
+        <p:grpSpPr>
+          <a:xfrm>
+            <a:off x="2514615" y="4564409"/>
+            <a:ext cx="1190465" cy="1475952"/>
+            <a:chOff x="1462544" y="3815888"/>
+            <a:chExt cx="1408192" cy="1745893"/>
+          </a:xfrm>
+        </p:grpSpPr>
+        <p:grpSp>
+          <p:nvGrpSpPr>
+            <p:cNvPr id="162" name="그룹 161">
+              <a:extLst>
+                <a:ext uri="{FF2B5EF4-FFF2-40B4-BE49-F238E27FC236}">
+                  <a16:creationId xmlns:a16="http://schemas.microsoft.com/office/drawing/2014/main" id="{69C77F86-C997-45E7-A415-0973E08BEA96}"/>
+                </a:ext>
+              </a:extLst>
+            </p:cNvPr>
+            <p:cNvGrpSpPr/>
+            <p:nvPr/>
+          </p:nvGrpSpPr>
+          <p:grpSpPr>
+            <a:xfrm>
+              <a:off x="1462545" y="3815888"/>
+              <a:ext cx="1408191" cy="1255127"/>
+              <a:chOff x="179512" y="411510"/>
+              <a:chExt cx="1296144" cy="432049"/>
+            </a:xfrm>
+          </p:grpSpPr>
+          <p:sp>
+            <p:nvSpPr>
+              <p:cNvPr id="166" name="직사각형 165">
+                <a:extLst>
+                  <a:ext uri="{FF2B5EF4-FFF2-40B4-BE49-F238E27FC236}">
+                    <a16:creationId xmlns:a16="http://schemas.microsoft.com/office/drawing/2014/main" id="{4FAFBB30-6FC3-4D66-8935-61E806DAB421}"/>
+                  </a:ext>
+                </a:extLst>
+              </p:cNvPr>
+              <p:cNvSpPr/>
+              <p:nvPr/>
+            </p:nvSpPr>
+            <p:spPr>
+              <a:xfrm>
+                <a:off x="179512" y="411511"/>
+                <a:ext cx="1296144" cy="432048"/>
+              </a:xfrm>
+              <a:prstGeom prst="rect">
+                <a:avLst/>
+              </a:prstGeom>
+              <a:solidFill>
+                <a:schemeClr val="bg1">
+                  <a:lumMod val="95000"/>
+                  <a:alpha val="70000"/>
+                </a:schemeClr>
+              </a:solidFill>
+              <a:ln w="9525">
+                <a:solidFill>
+                  <a:schemeClr val="bg1">
+                    <a:lumMod val="65000"/>
+                  </a:schemeClr>
+                </a:solidFill>
+              </a:ln>
+            </p:spPr>
+            <p:style>
+              <a:lnRef idx="2">
+                <a:schemeClr val="accent1">
+                  <a:shade val="50000"/>
+                </a:schemeClr>
+              </a:lnRef>
+              <a:fillRef idx="1">
+                <a:schemeClr val="accent1"/>
+              </a:fillRef>
+              <a:effectRef idx="0">
+                <a:schemeClr val="accent1"/>
+              </a:effectRef>
+              <a:fontRef idx="minor">
+                <a:schemeClr val="lt1"/>
+              </a:fontRef>
+            </p:style>
+            <p:txBody>
+              <a:bodyPr rtlCol="0" anchor="ctr"/>
+              <a:lstStyle/>
+              <a:p>
+                <a:pPr algn="ctr"/>
+                <a:r>
+                  <a:rPr lang="en-US" altLang="ko-KR" sz="1400" dirty="0">
+                    <a:solidFill>
+                      <a:prstClr val="white"/>
+                    </a:solidFill>
+                    <a:latin typeface="+mn-ea"/>
+                    <a:ea typeface="+mn-ea"/>
+                  </a:rPr>
+                  <a:t>`</a:t>
+                </a:r>
+                <a:endParaRPr lang="ko-KR" altLang="en-US" sz="1400" dirty="0">
+                  <a:solidFill>
+                    <a:prstClr val="white"/>
+                  </a:solidFill>
+                  <a:latin typeface="+mn-ea"/>
+                  <a:ea typeface="+mn-ea"/>
+                </a:endParaRPr>
+              </a:p>
+            </p:txBody>
+          </p:sp>
+          <p:cxnSp>
+            <p:nvCxnSpPr>
+              <p:cNvPr id="167" name="직선 연결선 166">
+                <a:extLst>
+                  <a:ext uri="{FF2B5EF4-FFF2-40B4-BE49-F238E27FC236}">
+                    <a16:creationId xmlns:a16="http://schemas.microsoft.com/office/drawing/2014/main" id="{AB9A57B3-35DE-4B2F-9558-FA4325CA399F}"/>
+                  </a:ext>
+                </a:extLst>
+              </p:cNvPr>
+              <p:cNvCxnSpPr/>
+              <p:nvPr/>
+            </p:nvCxnSpPr>
+            <p:spPr>
+              <a:xfrm flipH="1">
+                <a:off x="179512" y="411510"/>
+                <a:ext cx="1296144" cy="432048"/>
+              </a:xfrm>
+              <a:prstGeom prst="line">
+                <a:avLst/>
+              </a:prstGeom>
+              <a:ln>
+                <a:solidFill>
+                  <a:schemeClr val="bg1">
+                    <a:lumMod val="50000"/>
+                  </a:schemeClr>
+                </a:solidFill>
+              </a:ln>
+            </p:spPr>
+            <p:style>
+              <a:lnRef idx="1">
+                <a:schemeClr val="accent1"/>
+              </a:lnRef>
+              <a:fillRef idx="0">
+                <a:schemeClr val="accent1"/>
+              </a:fillRef>
+              <a:effectRef idx="0">
+                <a:schemeClr val="accent1"/>
+              </a:effectRef>
+              <a:fontRef idx="minor">
+                <a:schemeClr val="tx1"/>
+              </a:fontRef>
+            </p:style>
+          </p:cxnSp>
+        </p:grpSp>
+        <p:sp>
+          <p:nvSpPr>
+            <p:cNvPr id="163" name="직사각형 162">
+              <a:extLst>
+                <a:ext uri="{FF2B5EF4-FFF2-40B4-BE49-F238E27FC236}">
+                  <a16:creationId xmlns:a16="http://schemas.microsoft.com/office/drawing/2014/main" id="{4FAFBB30-6FC3-4D66-8935-61E806DAB421}"/>
+                </a:ext>
+              </a:extLst>
+            </p:cNvPr>
+            <p:cNvSpPr/>
+            <p:nvPr/>
+          </p:nvSpPr>
+          <p:spPr>
+            <a:xfrm>
+              <a:off x="1462544" y="5126380"/>
+              <a:ext cx="1408191" cy="405341"/>
+            </a:xfrm>
+            <a:prstGeom prst="rect">
+              <a:avLst/>
+            </a:prstGeom>
+            <a:solidFill>
+              <a:schemeClr val="bg1">
+                <a:lumMod val="95000"/>
+                <a:alpha val="70000"/>
+              </a:schemeClr>
+            </a:solidFill>
+            <a:ln w="9525">
+              <a:solidFill>
+                <a:schemeClr val="bg1">
+                  <a:lumMod val="65000"/>
+                </a:schemeClr>
+              </a:solidFill>
+            </a:ln>
+          </p:spPr>
+          <p:style>
+            <a:lnRef idx="2">
+              <a:schemeClr val="accent1">
+                <a:shade val="50000"/>
+              </a:schemeClr>
+            </a:lnRef>
+            <a:fillRef idx="1">
+              <a:schemeClr val="accent1"/>
+            </a:fillRef>
+            <a:effectRef idx="0">
+              <a:schemeClr val="accent1"/>
+            </a:effectRef>
+            <a:fontRef idx="minor">
+              <a:schemeClr val="lt1"/>
+            </a:fontRef>
+          </p:style>
+          <p:txBody>
+            <a:bodyPr rtlCol="0" anchor="ctr"/>
+            <a:lstStyle/>
+            <a:p>
+              <a:pPr algn="ctr"/>
+              <a:r>
+                <a:rPr lang="en-US" altLang="ko-KR" sz="1400" dirty="0">
+                  <a:solidFill>
+                    <a:prstClr val="white"/>
+                  </a:solidFill>
+                  <a:latin typeface="+mn-ea"/>
+                  <a:ea typeface="+mn-ea"/>
+                </a:rPr>
+                <a:t>`</a:t>
+              </a:r>
+              <a:endParaRPr lang="ko-KR" altLang="en-US" sz="1400" dirty="0">
+                <a:solidFill>
+                  <a:prstClr val="white"/>
+                </a:solidFill>
+                <a:latin typeface="+mn-ea"/>
+                <a:ea typeface="+mn-ea"/>
+              </a:endParaRPr>
+            </a:p>
+          </p:txBody>
+        </p:sp>
+        <p:sp>
+          <p:nvSpPr>
+            <p:cNvPr id="164" name="TextBox 163"/>
+            <p:cNvSpPr txBox="1"/>
+            <p:nvPr/>
+          </p:nvSpPr>
+          <p:spPr>
+            <a:xfrm>
+              <a:off x="1650420" y="4281573"/>
+              <a:ext cx="1011043" cy="327660"/>
+            </a:xfrm>
+            <a:prstGeom prst="rect">
+              <a:avLst/>
+            </a:prstGeom>
+            <a:noFill/>
+          </p:spPr>
+          <p:txBody>
+            <a:bodyPr wrap="none" rtlCol="0">
+              <a:spAutoFit/>
+            </a:bodyPr>
+            <a:lstStyle/>
+            <a:p>
+              <a:r>
+                <a:rPr lang="ko-KR" altLang="en-US" sz="1200" dirty="0" smtClean="0"/>
+                <a:t>상품 사진</a:t>
+              </a:r>
+              <a:endParaRPr lang="ko-KR" altLang="en-US" sz="1200" dirty="0"/>
+            </a:p>
+          </p:txBody>
+        </p:sp>
+        <p:sp>
+          <p:nvSpPr>
+            <p:cNvPr id="165" name="TextBox 164"/>
+            <p:cNvSpPr txBox="1"/>
+            <p:nvPr/>
+          </p:nvSpPr>
+          <p:spPr>
+            <a:xfrm>
+              <a:off x="1767869" y="5124901"/>
+              <a:ext cx="811944" cy="436880"/>
+            </a:xfrm>
+            <a:prstGeom prst="rect">
+              <a:avLst/>
+            </a:prstGeom>
+            <a:noFill/>
+          </p:spPr>
+          <p:txBody>
+            <a:bodyPr wrap="none" rtlCol="0">
+              <a:spAutoFit/>
+            </a:bodyPr>
+            <a:lstStyle/>
+            <a:p>
+              <a:r>
+                <a:rPr lang="ko-KR" altLang="en-US" sz="900" dirty="0" smtClean="0"/>
+                <a:t>상품 이름</a:t>
+              </a:r>
+              <a:endParaRPr lang="en-US" altLang="ko-KR" sz="900" dirty="0" smtClean="0"/>
+            </a:p>
+            <a:p>
+              <a:r>
+                <a:rPr lang="ko-KR" altLang="en-US" sz="900" dirty="0" smtClean="0"/>
+                <a:t>상품 가격</a:t>
+              </a:r>
+              <a:endParaRPr lang="ko-KR" altLang="en-US" sz="900" dirty="0"/>
+            </a:p>
+          </p:txBody>
+        </p:sp>
+      </p:grpSp>
+      <p:grpSp>
+        <p:nvGrpSpPr>
+          <p:cNvPr id="168" name="그룹 167"/>
+          <p:cNvGrpSpPr/>
+          <p:nvPr/>
+        </p:nvGrpSpPr>
+        <p:grpSpPr>
+          <a:xfrm>
+            <a:off x="3802197" y="4564409"/>
+            <a:ext cx="1190465" cy="1475952"/>
+            <a:chOff x="1462544" y="3815888"/>
+            <a:chExt cx="1408192" cy="1745893"/>
+          </a:xfrm>
+        </p:grpSpPr>
+        <p:grpSp>
+          <p:nvGrpSpPr>
+            <p:cNvPr id="169" name="그룹 168">
+              <a:extLst>
+                <a:ext uri="{FF2B5EF4-FFF2-40B4-BE49-F238E27FC236}">
+                  <a16:creationId xmlns:a16="http://schemas.microsoft.com/office/drawing/2014/main" id="{69C77F86-C997-45E7-A415-0973E08BEA96}"/>
+                </a:ext>
+              </a:extLst>
+            </p:cNvPr>
+            <p:cNvGrpSpPr/>
+            <p:nvPr/>
+          </p:nvGrpSpPr>
+          <p:grpSpPr>
+            <a:xfrm>
+              <a:off x="1462545" y="3815888"/>
+              <a:ext cx="1408191" cy="1255127"/>
+              <a:chOff x="179512" y="411510"/>
+              <a:chExt cx="1296144" cy="432049"/>
+            </a:xfrm>
+          </p:grpSpPr>
+          <p:sp>
+            <p:nvSpPr>
+              <p:cNvPr id="173" name="직사각형 172">
+                <a:extLst>
+                  <a:ext uri="{FF2B5EF4-FFF2-40B4-BE49-F238E27FC236}">
+                    <a16:creationId xmlns:a16="http://schemas.microsoft.com/office/drawing/2014/main" id="{4FAFBB30-6FC3-4D66-8935-61E806DAB421}"/>
+                  </a:ext>
+                </a:extLst>
+              </p:cNvPr>
+              <p:cNvSpPr/>
+              <p:nvPr/>
+            </p:nvSpPr>
+            <p:spPr>
+              <a:xfrm>
+                <a:off x="179512" y="411511"/>
+                <a:ext cx="1296144" cy="432048"/>
+              </a:xfrm>
+              <a:prstGeom prst="rect">
+                <a:avLst/>
+              </a:prstGeom>
+              <a:solidFill>
+                <a:schemeClr val="bg1">
+                  <a:lumMod val="95000"/>
+                  <a:alpha val="70000"/>
+                </a:schemeClr>
+              </a:solidFill>
+              <a:ln w="9525">
+                <a:solidFill>
+                  <a:schemeClr val="bg1">
+                    <a:lumMod val="65000"/>
+                  </a:schemeClr>
+                </a:solidFill>
+              </a:ln>
+            </p:spPr>
+            <p:style>
+              <a:lnRef idx="2">
+                <a:schemeClr val="accent1">
+                  <a:shade val="50000"/>
+                </a:schemeClr>
+              </a:lnRef>
+              <a:fillRef idx="1">
+                <a:schemeClr val="accent1"/>
+              </a:fillRef>
+              <a:effectRef idx="0">
+                <a:schemeClr val="accent1"/>
+              </a:effectRef>
+              <a:fontRef idx="minor">
+                <a:schemeClr val="lt1"/>
+              </a:fontRef>
+            </p:style>
+            <p:txBody>
+              <a:bodyPr rtlCol="0" anchor="ctr"/>
+              <a:lstStyle/>
+              <a:p>
+                <a:pPr algn="ctr"/>
+                <a:r>
+                  <a:rPr lang="en-US" altLang="ko-KR" sz="1400" dirty="0">
+                    <a:solidFill>
+                      <a:prstClr val="white"/>
+                    </a:solidFill>
+                    <a:latin typeface="+mn-ea"/>
+                    <a:ea typeface="+mn-ea"/>
+                  </a:rPr>
+                  <a:t>`</a:t>
+                </a:r>
+                <a:endParaRPr lang="ko-KR" altLang="en-US" sz="1400" dirty="0">
+                  <a:solidFill>
+                    <a:prstClr val="white"/>
+                  </a:solidFill>
+                  <a:latin typeface="+mn-ea"/>
+                  <a:ea typeface="+mn-ea"/>
+                </a:endParaRPr>
+              </a:p>
+            </p:txBody>
+          </p:sp>
+          <p:cxnSp>
+            <p:nvCxnSpPr>
+              <p:cNvPr id="174" name="직선 연결선 173">
+                <a:extLst>
+                  <a:ext uri="{FF2B5EF4-FFF2-40B4-BE49-F238E27FC236}">
+                    <a16:creationId xmlns:a16="http://schemas.microsoft.com/office/drawing/2014/main" id="{AB9A57B3-35DE-4B2F-9558-FA4325CA399F}"/>
+                  </a:ext>
+                </a:extLst>
+              </p:cNvPr>
+              <p:cNvCxnSpPr/>
+              <p:nvPr/>
+            </p:nvCxnSpPr>
+            <p:spPr>
+              <a:xfrm flipH="1">
+                <a:off x="179512" y="411510"/>
+                <a:ext cx="1296144" cy="432048"/>
+              </a:xfrm>
+              <a:prstGeom prst="line">
+                <a:avLst/>
+              </a:prstGeom>
+              <a:ln>
+                <a:solidFill>
+                  <a:schemeClr val="bg1">
+                    <a:lumMod val="50000"/>
+                  </a:schemeClr>
+                </a:solidFill>
+              </a:ln>
+            </p:spPr>
+            <p:style>
+              <a:lnRef idx="1">
+                <a:schemeClr val="accent1"/>
+              </a:lnRef>
+              <a:fillRef idx="0">
+                <a:schemeClr val="accent1"/>
+              </a:fillRef>
+              <a:effectRef idx="0">
+                <a:schemeClr val="accent1"/>
+              </a:effectRef>
+              <a:fontRef idx="minor">
+                <a:schemeClr val="tx1"/>
+              </a:fontRef>
+            </p:style>
+          </p:cxnSp>
+        </p:grpSp>
+        <p:sp>
+          <p:nvSpPr>
+            <p:cNvPr id="170" name="직사각형 169">
+              <a:extLst>
+                <a:ext uri="{FF2B5EF4-FFF2-40B4-BE49-F238E27FC236}">
+                  <a16:creationId xmlns:a16="http://schemas.microsoft.com/office/drawing/2014/main" id="{4FAFBB30-6FC3-4D66-8935-61E806DAB421}"/>
+                </a:ext>
+              </a:extLst>
+            </p:cNvPr>
+            <p:cNvSpPr/>
+            <p:nvPr/>
+          </p:nvSpPr>
+          <p:spPr>
+            <a:xfrm>
+              <a:off x="1462544" y="5126380"/>
+              <a:ext cx="1408191" cy="405341"/>
+            </a:xfrm>
+            <a:prstGeom prst="rect">
+              <a:avLst/>
+            </a:prstGeom>
+            <a:solidFill>
+              <a:schemeClr val="bg1">
+                <a:lumMod val="95000"/>
+                <a:alpha val="70000"/>
+              </a:schemeClr>
+            </a:solidFill>
+            <a:ln w="9525">
+              <a:solidFill>
+                <a:schemeClr val="bg1">
+                  <a:lumMod val="65000"/>
+                </a:schemeClr>
+              </a:solidFill>
+            </a:ln>
+          </p:spPr>
+          <p:style>
+            <a:lnRef idx="2">
+              <a:schemeClr val="accent1">
+                <a:shade val="50000"/>
+              </a:schemeClr>
+            </a:lnRef>
+            <a:fillRef idx="1">
+              <a:schemeClr val="accent1"/>
+            </a:fillRef>
+            <a:effectRef idx="0">
+              <a:schemeClr val="accent1"/>
+            </a:effectRef>
+            <a:fontRef idx="minor">
+              <a:schemeClr val="lt1"/>
+            </a:fontRef>
+          </p:style>
+          <p:txBody>
+            <a:bodyPr rtlCol="0" anchor="ctr"/>
+            <a:lstStyle/>
+            <a:p>
+              <a:pPr algn="ctr"/>
+              <a:r>
+                <a:rPr lang="en-US" altLang="ko-KR" sz="1400" dirty="0">
+                  <a:solidFill>
+                    <a:prstClr val="white"/>
+                  </a:solidFill>
+                  <a:latin typeface="+mn-ea"/>
+                  <a:ea typeface="+mn-ea"/>
+                </a:rPr>
+                <a:t>`</a:t>
+              </a:r>
+              <a:endParaRPr lang="ko-KR" altLang="en-US" sz="1400" dirty="0">
+                <a:solidFill>
+                  <a:prstClr val="white"/>
+                </a:solidFill>
+                <a:latin typeface="+mn-ea"/>
+                <a:ea typeface="+mn-ea"/>
+              </a:endParaRPr>
+            </a:p>
+          </p:txBody>
+        </p:sp>
+        <p:sp>
+          <p:nvSpPr>
+            <p:cNvPr id="171" name="TextBox 170"/>
+            <p:cNvSpPr txBox="1"/>
+            <p:nvPr/>
+          </p:nvSpPr>
+          <p:spPr>
+            <a:xfrm>
+              <a:off x="1650420" y="4281573"/>
+              <a:ext cx="1011043" cy="327660"/>
+            </a:xfrm>
+            <a:prstGeom prst="rect">
+              <a:avLst/>
+            </a:prstGeom>
+            <a:noFill/>
+          </p:spPr>
+          <p:txBody>
+            <a:bodyPr wrap="none" rtlCol="0">
+              <a:spAutoFit/>
+            </a:bodyPr>
+            <a:lstStyle/>
+            <a:p>
+              <a:r>
+                <a:rPr lang="ko-KR" altLang="en-US" sz="1200" dirty="0" smtClean="0"/>
+                <a:t>상품 사진</a:t>
+              </a:r>
+              <a:endParaRPr lang="ko-KR" altLang="en-US" sz="1200" dirty="0"/>
+            </a:p>
+          </p:txBody>
+        </p:sp>
+        <p:sp>
+          <p:nvSpPr>
+            <p:cNvPr id="172" name="TextBox 171"/>
+            <p:cNvSpPr txBox="1"/>
+            <p:nvPr/>
+          </p:nvSpPr>
+          <p:spPr>
+            <a:xfrm>
+              <a:off x="1767869" y="5124901"/>
+              <a:ext cx="811944" cy="436880"/>
+            </a:xfrm>
+            <a:prstGeom prst="rect">
+              <a:avLst/>
+            </a:prstGeom>
+            <a:noFill/>
+          </p:spPr>
+          <p:txBody>
+            <a:bodyPr wrap="none" rtlCol="0">
+              <a:spAutoFit/>
+            </a:bodyPr>
+            <a:lstStyle/>
+            <a:p>
+              <a:r>
+                <a:rPr lang="ko-KR" altLang="en-US" sz="900" dirty="0" smtClean="0"/>
+                <a:t>상품 이름</a:t>
+              </a:r>
+              <a:endParaRPr lang="en-US" altLang="ko-KR" sz="900" dirty="0" smtClean="0"/>
+            </a:p>
+            <a:p>
+              <a:r>
+                <a:rPr lang="ko-KR" altLang="en-US" sz="900" dirty="0" smtClean="0"/>
+                <a:t>상품 가격</a:t>
+              </a:r>
+              <a:endParaRPr lang="ko-KR" altLang="en-US" sz="900" dirty="0"/>
+            </a:p>
+          </p:txBody>
+        </p:sp>
+      </p:grpSp>
+      <p:grpSp>
+        <p:nvGrpSpPr>
+          <p:cNvPr id="175" name="그룹 174"/>
+          <p:cNvGrpSpPr/>
+          <p:nvPr/>
+        </p:nvGrpSpPr>
+        <p:grpSpPr>
+          <a:xfrm>
+            <a:off x="5089779" y="4564409"/>
+            <a:ext cx="1190465" cy="1475952"/>
+            <a:chOff x="1462544" y="3815888"/>
+            <a:chExt cx="1408192" cy="1745893"/>
+          </a:xfrm>
+        </p:grpSpPr>
+        <p:grpSp>
+          <p:nvGrpSpPr>
+            <p:cNvPr id="176" name="그룹 175">
+              <a:extLst>
+                <a:ext uri="{FF2B5EF4-FFF2-40B4-BE49-F238E27FC236}">
+                  <a16:creationId xmlns:a16="http://schemas.microsoft.com/office/drawing/2014/main" id="{69C77F86-C997-45E7-A415-0973E08BEA96}"/>
+                </a:ext>
+              </a:extLst>
+            </p:cNvPr>
+            <p:cNvGrpSpPr/>
+            <p:nvPr/>
+          </p:nvGrpSpPr>
+          <p:grpSpPr>
+            <a:xfrm>
+              <a:off x="1462545" y="3815888"/>
+              <a:ext cx="1408191" cy="1255127"/>
+              <a:chOff x="179512" y="411510"/>
+              <a:chExt cx="1296144" cy="432049"/>
+            </a:xfrm>
+          </p:grpSpPr>
+          <p:sp>
+            <p:nvSpPr>
+              <p:cNvPr id="180" name="직사각형 179">
+                <a:extLst>
+                  <a:ext uri="{FF2B5EF4-FFF2-40B4-BE49-F238E27FC236}">
+                    <a16:creationId xmlns:a16="http://schemas.microsoft.com/office/drawing/2014/main" id="{4FAFBB30-6FC3-4D66-8935-61E806DAB421}"/>
+                  </a:ext>
+                </a:extLst>
+              </p:cNvPr>
+              <p:cNvSpPr/>
+              <p:nvPr/>
+            </p:nvSpPr>
+            <p:spPr>
+              <a:xfrm>
+                <a:off x="179512" y="411511"/>
+                <a:ext cx="1296144" cy="432048"/>
+              </a:xfrm>
+              <a:prstGeom prst="rect">
+                <a:avLst/>
+              </a:prstGeom>
+              <a:solidFill>
+                <a:schemeClr val="bg1">
+                  <a:lumMod val="95000"/>
+                  <a:alpha val="70000"/>
+                </a:schemeClr>
+              </a:solidFill>
+              <a:ln w="9525">
+                <a:solidFill>
+                  <a:schemeClr val="bg1">
+                    <a:lumMod val="65000"/>
+                  </a:schemeClr>
+                </a:solidFill>
+              </a:ln>
+            </p:spPr>
+            <p:style>
+              <a:lnRef idx="2">
+                <a:schemeClr val="accent1">
+                  <a:shade val="50000"/>
+                </a:schemeClr>
+              </a:lnRef>
+              <a:fillRef idx="1">
+                <a:schemeClr val="accent1"/>
+              </a:fillRef>
+              <a:effectRef idx="0">
+                <a:schemeClr val="accent1"/>
+              </a:effectRef>
+              <a:fontRef idx="minor">
+                <a:schemeClr val="lt1"/>
+              </a:fontRef>
+            </p:style>
+            <p:txBody>
+              <a:bodyPr rtlCol="0" anchor="ctr"/>
+              <a:lstStyle/>
+              <a:p>
+                <a:pPr algn="ctr"/>
+                <a:r>
+                  <a:rPr lang="en-US" altLang="ko-KR" sz="1400" dirty="0">
+                    <a:solidFill>
+                      <a:prstClr val="white"/>
+                    </a:solidFill>
+                    <a:latin typeface="+mn-ea"/>
+                    <a:ea typeface="+mn-ea"/>
+                  </a:rPr>
+                  <a:t>`</a:t>
+                </a:r>
+                <a:endParaRPr lang="ko-KR" altLang="en-US" sz="1400" dirty="0">
+                  <a:solidFill>
+                    <a:prstClr val="white"/>
+                  </a:solidFill>
+                  <a:latin typeface="+mn-ea"/>
+                  <a:ea typeface="+mn-ea"/>
+                </a:endParaRPr>
+              </a:p>
+            </p:txBody>
+          </p:sp>
+          <p:cxnSp>
+            <p:nvCxnSpPr>
+              <p:cNvPr id="181" name="직선 연결선 180">
+                <a:extLst>
+                  <a:ext uri="{FF2B5EF4-FFF2-40B4-BE49-F238E27FC236}">
+                    <a16:creationId xmlns:a16="http://schemas.microsoft.com/office/drawing/2014/main" id="{AB9A57B3-35DE-4B2F-9558-FA4325CA399F}"/>
+                  </a:ext>
+                </a:extLst>
+              </p:cNvPr>
+              <p:cNvCxnSpPr/>
+              <p:nvPr/>
+            </p:nvCxnSpPr>
+            <p:spPr>
+              <a:xfrm flipH="1">
+                <a:off x="179512" y="411510"/>
+                <a:ext cx="1296144" cy="432048"/>
+              </a:xfrm>
+              <a:prstGeom prst="line">
+                <a:avLst/>
+              </a:prstGeom>
+              <a:ln>
+                <a:solidFill>
+                  <a:schemeClr val="bg1">
+                    <a:lumMod val="50000"/>
+                  </a:schemeClr>
+                </a:solidFill>
+              </a:ln>
+            </p:spPr>
+            <p:style>
+              <a:lnRef idx="1">
+                <a:schemeClr val="accent1"/>
+              </a:lnRef>
+              <a:fillRef idx="0">
+                <a:schemeClr val="accent1"/>
+              </a:fillRef>
+              <a:effectRef idx="0">
+                <a:schemeClr val="accent1"/>
+              </a:effectRef>
+              <a:fontRef idx="minor">
+                <a:schemeClr val="tx1"/>
+              </a:fontRef>
+            </p:style>
+          </p:cxnSp>
+        </p:grpSp>
+        <p:sp>
+          <p:nvSpPr>
+            <p:cNvPr id="177" name="직사각형 176">
+              <a:extLst>
+                <a:ext uri="{FF2B5EF4-FFF2-40B4-BE49-F238E27FC236}">
+                  <a16:creationId xmlns:a16="http://schemas.microsoft.com/office/drawing/2014/main" id="{4FAFBB30-6FC3-4D66-8935-61E806DAB421}"/>
+                </a:ext>
+              </a:extLst>
+            </p:cNvPr>
+            <p:cNvSpPr/>
+            <p:nvPr/>
+          </p:nvSpPr>
+          <p:spPr>
+            <a:xfrm>
+              <a:off x="1462544" y="5126380"/>
+              <a:ext cx="1408191" cy="405341"/>
+            </a:xfrm>
+            <a:prstGeom prst="rect">
+              <a:avLst/>
+            </a:prstGeom>
+            <a:solidFill>
+              <a:schemeClr val="bg1">
+                <a:lumMod val="95000"/>
+                <a:alpha val="70000"/>
+              </a:schemeClr>
+            </a:solidFill>
+            <a:ln w="9525">
+              <a:solidFill>
+                <a:schemeClr val="bg1">
+                  <a:lumMod val="65000"/>
+                </a:schemeClr>
+              </a:solidFill>
+            </a:ln>
+          </p:spPr>
+          <p:style>
+            <a:lnRef idx="2">
+              <a:schemeClr val="accent1">
+                <a:shade val="50000"/>
+              </a:schemeClr>
+            </a:lnRef>
+            <a:fillRef idx="1">
+              <a:schemeClr val="accent1"/>
+            </a:fillRef>
+            <a:effectRef idx="0">
+              <a:schemeClr val="accent1"/>
+            </a:effectRef>
+            <a:fontRef idx="minor">
+              <a:schemeClr val="lt1"/>
+            </a:fontRef>
+          </p:style>
+          <p:txBody>
+            <a:bodyPr rtlCol="0" anchor="ctr"/>
+            <a:lstStyle/>
+            <a:p>
+              <a:pPr algn="ctr"/>
+              <a:r>
+                <a:rPr lang="en-US" altLang="ko-KR" sz="1400" dirty="0">
+                  <a:solidFill>
+                    <a:prstClr val="white"/>
+                  </a:solidFill>
+                  <a:latin typeface="+mn-ea"/>
+                  <a:ea typeface="+mn-ea"/>
+                </a:rPr>
+                <a:t>`</a:t>
+              </a:r>
+              <a:endParaRPr lang="ko-KR" altLang="en-US" sz="1400" dirty="0">
+                <a:solidFill>
+                  <a:prstClr val="white"/>
+                </a:solidFill>
+                <a:latin typeface="+mn-ea"/>
+                <a:ea typeface="+mn-ea"/>
+              </a:endParaRPr>
+            </a:p>
+          </p:txBody>
+        </p:sp>
+        <p:sp>
+          <p:nvSpPr>
+            <p:cNvPr id="178" name="TextBox 177"/>
+            <p:cNvSpPr txBox="1"/>
+            <p:nvPr/>
+          </p:nvSpPr>
+          <p:spPr>
+            <a:xfrm>
+              <a:off x="1650420" y="4281573"/>
+              <a:ext cx="1011043" cy="327660"/>
+            </a:xfrm>
+            <a:prstGeom prst="rect">
+              <a:avLst/>
+            </a:prstGeom>
+            <a:noFill/>
+          </p:spPr>
+          <p:txBody>
+            <a:bodyPr wrap="none" rtlCol="0">
+              <a:spAutoFit/>
+            </a:bodyPr>
+            <a:lstStyle/>
+            <a:p>
+              <a:r>
+                <a:rPr lang="ko-KR" altLang="en-US" sz="1200" dirty="0" smtClean="0"/>
+                <a:t>상품 사진</a:t>
+              </a:r>
+              <a:endParaRPr lang="ko-KR" altLang="en-US" sz="1200" dirty="0"/>
+            </a:p>
+          </p:txBody>
+        </p:sp>
+        <p:sp>
+          <p:nvSpPr>
+            <p:cNvPr id="179" name="TextBox 178"/>
+            <p:cNvSpPr txBox="1"/>
+            <p:nvPr/>
+          </p:nvSpPr>
+          <p:spPr>
+            <a:xfrm>
+              <a:off x="1767869" y="5124901"/>
+              <a:ext cx="811944" cy="436880"/>
+            </a:xfrm>
+            <a:prstGeom prst="rect">
+              <a:avLst/>
+            </a:prstGeom>
+            <a:noFill/>
+          </p:spPr>
+          <p:txBody>
+            <a:bodyPr wrap="none" rtlCol="0">
+              <a:spAutoFit/>
+            </a:bodyPr>
+            <a:lstStyle/>
+            <a:p>
+              <a:r>
+                <a:rPr lang="ko-KR" altLang="en-US" sz="900" dirty="0" smtClean="0"/>
+                <a:t>상품 이름</a:t>
+              </a:r>
+              <a:endParaRPr lang="en-US" altLang="ko-KR" sz="900" dirty="0" smtClean="0"/>
+            </a:p>
+            <a:p>
+              <a:r>
+                <a:rPr lang="ko-KR" altLang="en-US" sz="900" dirty="0" smtClean="0"/>
+                <a:t>상품 가격</a:t>
+              </a:r>
+              <a:endParaRPr lang="ko-KR" altLang="en-US" sz="900" dirty="0"/>
+            </a:p>
+          </p:txBody>
+        </p:sp>
+      </p:grpSp>
+      <p:grpSp>
+        <p:nvGrpSpPr>
+          <p:cNvPr id="182" name="그룹 181"/>
+          <p:cNvGrpSpPr/>
+          <p:nvPr/>
+        </p:nvGrpSpPr>
+        <p:grpSpPr>
+          <a:xfrm>
+            <a:off x="6371042" y="4564409"/>
+            <a:ext cx="1190465" cy="1475952"/>
+            <a:chOff x="1462544" y="3815888"/>
+            <a:chExt cx="1408192" cy="1745893"/>
+          </a:xfrm>
+        </p:grpSpPr>
+        <p:grpSp>
+          <p:nvGrpSpPr>
+            <p:cNvPr id="183" name="그룹 182">
+              <a:extLst>
+                <a:ext uri="{FF2B5EF4-FFF2-40B4-BE49-F238E27FC236}">
+                  <a16:creationId xmlns:a16="http://schemas.microsoft.com/office/drawing/2014/main" id="{69C77F86-C997-45E7-A415-0973E08BEA96}"/>
+                </a:ext>
+              </a:extLst>
+            </p:cNvPr>
+            <p:cNvGrpSpPr/>
+            <p:nvPr/>
+          </p:nvGrpSpPr>
+          <p:grpSpPr>
+            <a:xfrm>
+              <a:off x="1462545" y="3815888"/>
+              <a:ext cx="1408191" cy="1255127"/>
+              <a:chOff x="179512" y="411510"/>
+              <a:chExt cx="1296144" cy="432049"/>
+            </a:xfrm>
+          </p:grpSpPr>
+          <p:sp>
+            <p:nvSpPr>
+              <p:cNvPr id="187" name="직사각형 186">
+                <a:extLst>
+                  <a:ext uri="{FF2B5EF4-FFF2-40B4-BE49-F238E27FC236}">
+                    <a16:creationId xmlns:a16="http://schemas.microsoft.com/office/drawing/2014/main" id="{4FAFBB30-6FC3-4D66-8935-61E806DAB421}"/>
+                  </a:ext>
+                </a:extLst>
+              </p:cNvPr>
+              <p:cNvSpPr/>
+              <p:nvPr/>
+            </p:nvSpPr>
+            <p:spPr>
+              <a:xfrm>
+                <a:off x="179512" y="411511"/>
+                <a:ext cx="1296144" cy="432048"/>
+              </a:xfrm>
+              <a:prstGeom prst="rect">
+                <a:avLst/>
+              </a:prstGeom>
+              <a:solidFill>
+                <a:schemeClr val="bg1">
+                  <a:lumMod val="95000"/>
+                  <a:alpha val="70000"/>
+                </a:schemeClr>
+              </a:solidFill>
+              <a:ln w="9525">
+                <a:solidFill>
+                  <a:schemeClr val="bg1">
+                    <a:lumMod val="65000"/>
+                  </a:schemeClr>
+                </a:solidFill>
+              </a:ln>
+            </p:spPr>
+            <p:style>
+              <a:lnRef idx="2">
+                <a:schemeClr val="accent1">
+                  <a:shade val="50000"/>
+                </a:schemeClr>
+              </a:lnRef>
+              <a:fillRef idx="1">
+                <a:schemeClr val="accent1"/>
+              </a:fillRef>
+              <a:effectRef idx="0">
+                <a:schemeClr val="accent1"/>
+              </a:effectRef>
+              <a:fontRef idx="minor">
+                <a:schemeClr val="lt1"/>
+              </a:fontRef>
+            </p:style>
+            <p:txBody>
+              <a:bodyPr rtlCol="0" anchor="ctr"/>
+              <a:lstStyle/>
+              <a:p>
+                <a:pPr algn="ctr"/>
+                <a:r>
+                  <a:rPr lang="en-US" altLang="ko-KR" sz="1400" dirty="0">
+                    <a:solidFill>
+                      <a:prstClr val="white"/>
+                    </a:solidFill>
+                    <a:latin typeface="+mn-ea"/>
+                    <a:ea typeface="+mn-ea"/>
+                  </a:rPr>
+                  <a:t>`</a:t>
+                </a:r>
+                <a:endParaRPr lang="ko-KR" altLang="en-US" sz="1400" dirty="0">
+                  <a:solidFill>
+                    <a:prstClr val="white"/>
+                  </a:solidFill>
+                  <a:latin typeface="+mn-ea"/>
+                  <a:ea typeface="+mn-ea"/>
+                </a:endParaRPr>
+              </a:p>
+            </p:txBody>
+          </p:sp>
+          <p:cxnSp>
+            <p:nvCxnSpPr>
+              <p:cNvPr id="188" name="직선 연결선 187">
+                <a:extLst>
+                  <a:ext uri="{FF2B5EF4-FFF2-40B4-BE49-F238E27FC236}">
+                    <a16:creationId xmlns:a16="http://schemas.microsoft.com/office/drawing/2014/main" id="{AB9A57B3-35DE-4B2F-9558-FA4325CA399F}"/>
+                  </a:ext>
+                </a:extLst>
+              </p:cNvPr>
+              <p:cNvCxnSpPr/>
+              <p:nvPr/>
+            </p:nvCxnSpPr>
+            <p:spPr>
+              <a:xfrm flipH="1">
+                <a:off x="179512" y="411510"/>
+                <a:ext cx="1296144" cy="432048"/>
+              </a:xfrm>
+              <a:prstGeom prst="line">
+                <a:avLst/>
+              </a:prstGeom>
+              <a:ln>
+                <a:solidFill>
+                  <a:schemeClr val="bg1">
+                    <a:lumMod val="50000"/>
+                  </a:schemeClr>
+                </a:solidFill>
+              </a:ln>
+            </p:spPr>
+            <p:style>
+              <a:lnRef idx="1">
+                <a:schemeClr val="accent1"/>
+              </a:lnRef>
+              <a:fillRef idx="0">
+                <a:schemeClr val="accent1"/>
+              </a:fillRef>
+              <a:effectRef idx="0">
+                <a:schemeClr val="accent1"/>
+              </a:effectRef>
+              <a:fontRef idx="minor">
+                <a:schemeClr val="tx1"/>
+              </a:fontRef>
+            </p:style>
+          </p:cxnSp>
+        </p:grpSp>
+        <p:sp>
+          <p:nvSpPr>
+            <p:cNvPr id="184" name="직사각형 183">
+              <a:extLst>
+                <a:ext uri="{FF2B5EF4-FFF2-40B4-BE49-F238E27FC236}">
+                  <a16:creationId xmlns:a16="http://schemas.microsoft.com/office/drawing/2014/main" id="{4FAFBB30-6FC3-4D66-8935-61E806DAB421}"/>
+                </a:ext>
+              </a:extLst>
+            </p:cNvPr>
+            <p:cNvSpPr/>
+            <p:nvPr/>
+          </p:nvSpPr>
+          <p:spPr>
+            <a:xfrm>
+              <a:off x="1462544" y="5126380"/>
+              <a:ext cx="1408191" cy="405341"/>
+            </a:xfrm>
+            <a:prstGeom prst="rect">
+              <a:avLst/>
+            </a:prstGeom>
+            <a:solidFill>
+              <a:schemeClr val="bg1">
+                <a:lumMod val="95000"/>
+                <a:alpha val="70000"/>
+              </a:schemeClr>
+            </a:solidFill>
+            <a:ln w="9525">
+              <a:solidFill>
+                <a:schemeClr val="bg1">
+                  <a:lumMod val="65000"/>
+                </a:schemeClr>
+              </a:solidFill>
+            </a:ln>
+          </p:spPr>
+          <p:style>
+            <a:lnRef idx="2">
+              <a:schemeClr val="accent1">
+                <a:shade val="50000"/>
+              </a:schemeClr>
+            </a:lnRef>
+            <a:fillRef idx="1">
+              <a:schemeClr val="accent1"/>
+            </a:fillRef>
+            <a:effectRef idx="0">
+              <a:schemeClr val="accent1"/>
+            </a:effectRef>
+            <a:fontRef idx="minor">
+              <a:schemeClr val="lt1"/>
+            </a:fontRef>
+          </p:style>
+          <p:txBody>
+            <a:bodyPr rtlCol="0" anchor="ctr"/>
+            <a:lstStyle/>
+            <a:p>
+              <a:pPr algn="ctr"/>
+              <a:r>
+                <a:rPr lang="en-US" altLang="ko-KR" sz="1400" dirty="0">
+                  <a:solidFill>
+                    <a:prstClr val="white"/>
+                  </a:solidFill>
+                  <a:latin typeface="+mn-ea"/>
+                  <a:ea typeface="+mn-ea"/>
+                </a:rPr>
+                <a:t>`</a:t>
+              </a:r>
+              <a:endParaRPr lang="ko-KR" altLang="en-US" sz="1400" dirty="0">
+                <a:solidFill>
+                  <a:prstClr val="white"/>
+                </a:solidFill>
+                <a:latin typeface="+mn-ea"/>
+                <a:ea typeface="+mn-ea"/>
+              </a:endParaRPr>
+            </a:p>
+          </p:txBody>
+        </p:sp>
+        <p:sp>
+          <p:nvSpPr>
+            <p:cNvPr id="185" name="TextBox 184"/>
+            <p:cNvSpPr txBox="1"/>
+            <p:nvPr/>
+          </p:nvSpPr>
+          <p:spPr>
+            <a:xfrm>
+              <a:off x="1650420" y="4281573"/>
+              <a:ext cx="1011043" cy="327660"/>
+            </a:xfrm>
+            <a:prstGeom prst="rect">
+              <a:avLst/>
+            </a:prstGeom>
+            <a:noFill/>
+          </p:spPr>
+          <p:txBody>
+            <a:bodyPr wrap="none" rtlCol="0">
+              <a:spAutoFit/>
+            </a:bodyPr>
+            <a:lstStyle/>
+            <a:p>
+              <a:r>
+                <a:rPr lang="ko-KR" altLang="en-US" sz="1200" dirty="0" smtClean="0"/>
+                <a:t>상품 사진</a:t>
+              </a:r>
+              <a:endParaRPr lang="ko-KR" altLang="en-US" sz="1200" dirty="0"/>
+            </a:p>
+          </p:txBody>
+        </p:sp>
+        <p:sp>
+          <p:nvSpPr>
+            <p:cNvPr id="186" name="TextBox 185"/>
+            <p:cNvSpPr txBox="1"/>
+            <p:nvPr/>
+          </p:nvSpPr>
+          <p:spPr>
+            <a:xfrm>
+              <a:off x="1767869" y="5124901"/>
+              <a:ext cx="811944" cy="436880"/>
+            </a:xfrm>
+            <a:prstGeom prst="rect">
+              <a:avLst/>
+            </a:prstGeom>
+            <a:noFill/>
+          </p:spPr>
+          <p:txBody>
+            <a:bodyPr wrap="none" rtlCol="0">
+              <a:spAutoFit/>
+            </a:bodyPr>
+            <a:lstStyle/>
+            <a:p>
+              <a:r>
+                <a:rPr lang="ko-KR" altLang="en-US" sz="900" dirty="0" smtClean="0"/>
+                <a:t>상품 이름</a:t>
+              </a:r>
+              <a:endParaRPr lang="en-US" altLang="ko-KR" sz="900" dirty="0" smtClean="0"/>
+            </a:p>
+            <a:p>
+              <a:r>
+                <a:rPr lang="ko-KR" altLang="en-US" sz="900" dirty="0" smtClean="0"/>
+                <a:t>상품 가격</a:t>
+              </a:r>
+              <a:endParaRPr lang="ko-KR" altLang="en-US" sz="900" dirty="0"/>
+            </a:p>
+          </p:txBody>
+        </p:sp>
+      </p:grpSp>
+      <p:sp>
+        <p:nvSpPr>
+          <p:cNvPr id="189" name="직사각형 188">
+            <a:extLst>
+              <a:ext uri="{FF2B5EF4-FFF2-40B4-BE49-F238E27FC236}">
+                <a16:creationId xmlns:a16="http://schemas.microsoft.com/office/drawing/2014/main" id="{FE05BBF2-37A7-4E75-975E-30371C2C0EDE}"/>
+              </a:ext>
+            </a:extLst>
+          </p:cNvPr>
+          <p:cNvSpPr/>
+          <p:nvPr/>
+        </p:nvSpPr>
+        <p:spPr>
+          <a:xfrm>
+            <a:off x="874020" y="6299058"/>
+            <a:ext cx="7046818" cy="466292"/>
+          </a:xfrm>
+          <a:prstGeom prst="rect">
+            <a:avLst/>
+          </a:prstGeom>
+          <a:solidFill>
+            <a:schemeClr val="bg1">
+              <a:lumMod val="95000"/>
+              <a:alpha val="70000"/>
+            </a:schemeClr>
+          </a:solidFill>
+          <a:ln w="9525">
+            <a:solidFill>
+              <a:schemeClr val="bg1">
+                <a:lumMod val="65000"/>
+              </a:schemeClr>
+            </a:solidFill>
+          </a:ln>
+        </p:spPr>
+        <p:style>
+          <a:lnRef idx="2">
+            <a:schemeClr val="accent1">
+              <a:shade val="50000"/>
+            </a:schemeClr>
+          </a:lnRef>
+          <a:fillRef idx="1">
+            <a:schemeClr val="accent1"/>
+          </a:fillRef>
+          <a:effectRef idx="0">
+            <a:schemeClr val="accent1"/>
+          </a:effectRef>
+          <a:fontRef idx="minor">
+            <a:schemeClr val="lt1"/>
+          </a:fontRef>
+        </p:style>
+        <p:txBody>
+          <a:bodyPr rtlCol="0" anchor="ctr"/>
+          <a:lstStyle/>
+          <a:p>
+            <a:pPr algn="ctr"/>
+            <a:endParaRPr lang="ko-KR" altLang="en-US">
+              <a:solidFill>
+                <a:prstClr val="white"/>
+              </a:solidFill>
+              <a:latin typeface="+mn-ea"/>
+              <a:ea typeface="+mn-ea"/>
+            </a:endParaRPr>
+          </a:p>
+        </p:txBody>
+      </p:sp>
     </p:spTree>
     <p:extLst>
       <p:ext uri="{BB962C8B-B14F-4D97-AF65-F5344CB8AC3E}">
@@ -10681,7 +12564,7 @@
 </p:sld>
 </file>
 
-<file path=ppt/slides/slide5.xml><?xml version="1.0" encoding="utf-8"?>
+<file path=ppt/slides/slide8.xml><?xml version="1.0" encoding="utf-8"?>
 <p:sld xmlns:a="http://schemas.openxmlformats.org/drawingml/2006/main" xmlns:r="http://schemas.openxmlformats.org/officeDocument/2006/relationships" xmlns:p="http://schemas.openxmlformats.org/presentationml/2006/main">
   <p:cSld>
     <p:spTree>
@@ -11394,11 +13277,7 @@
           <a:p>
             <a:r>
               <a:rPr lang="ko-KR" altLang="en-US" dirty="0" smtClean="0"/>
-              <a:t>상품 정보 상세 </a:t>
-            </a:r>
-            <a:r>
-              <a:rPr lang="ko-KR" altLang="en-US" dirty="0" smtClean="0"/>
-              <a:t>페이지</a:t>
+              <a:t>상품 정보 상세 페이지</a:t>
             </a:r>
             <a:endParaRPr lang="ko-KR" altLang="en-US" dirty="0"/>
           </a:p>
@@ -12331,7 +14210,7 @@
         </p:nvSpPr>
         <p:spPr>
           <a:xfrm>
-            <a:off x="4769594" y="4155774"/>
+            <a:off x="4769592" y="3950387"/>
             <a:ext cx="1956059" cy="405341"/>
           </a:xfrm>
           <a:prstGeom prst="rect">
@@ -12400,7 +14279,7 @@
         </p:nvSpPr>
         <p:spPr>
           <a:xfrm>
-            <a:off x="4777402" y="4252533"/>
+            <a:off x="4767369" y="4036859"/>
             <a:ext cx="801026" cy="253916"/>
           </a:xfrm>
           <a:prstGeom prst="rect">
@@ -12460,7 +14339,7 @@
         </p:nvSpPr>
         <p:spPr>
           <a:xfrm>
-            <a:off x="5508576" y="4264075"/>
+            <a:off x="5776615" y="4066066"/>
             <a:ext cx="424305" cy="209371"/>
           </a:xfrm>
           <a:prstGeom prst="roundRect">
@@ -12518,7 +14397,7 @@
         </p:nvSpPr>
         <p:spPr>
           <a:xfrm>
-            <a:off x="5508576" y="4248686"/>
+            <a:off x="5913695" y="4038516"/>
             <a:ext cx="261610" cy="261610"/>
           </a:xfrm>
           <a:prstGeom prst="rect">
@@ -12548,8 +14427,8 @@
         </p:nvSpPr>
         <p:spPr>
           <a:xfrm>
-            <a:off x="5780481" y="4264075"/>
-            <a:ext cx="152400" cy="209371"/>
+            <a:off x="6243716" y="4087906"/>
+            <a:ext cx="184397" cy="169576"/>
           </a:xfrm>
           <a:prstGeom prst="roundRect">
             <a:avLst/>
@@ -12587,6 +14466,17 @@
           <a:lstStyle/>
           <a:p>
             <a:pPr algn="ctr"/>
+            <a:r>
+              <a:rPr lang="en-US" altLang="ko-KR" dirty="0" smtClean="0">
+                <a:solidFill>
+                  <a:schemeClr val="tx1">
+                    <a:lumMod val="65000"/>
+                    <a:lumOff val="35000"/>
+                  </a:schemeClr>
+                </a:solidFill>
+              </a:rPr>
+              <a:t>+</a:t>
+            </a:r>
             <a:endParaRPr lang="ko-KR" altLang="en-US" dirty="0">
               <a:solidFill>
                 <a:schemeClr val="tx1">
@@ -12598,229 +14488,6 @@
           </a:p>
         </p:txBody>
       </p:sp>
-      <p:cxnSp>
-        <p:nvCxnSpPr>
-          <p:cNvPr id="44" name="직선 연결선 43"/>
-          <p:cNvCxnSpPr>
-            <a:stCxn id="91" idx="1"/>
-            <a:endCxn id="91" idx="3"/>
-          </p:cNvCxnSpPr>
-          <p:nvPr/>
-        </p:nvCxnSpPr>
-        <p:spPr>
-          <a:xfrm>
-            <a:off x="5780481" y="4368761"/>
-            <a:ext cx="152400" cy="0"/>
-          </a:xfrm>
-          <a:prstGeom prst="line">
-            <a:avLst/>
-          </a:prstGeom>
-          <a:ln>
-            <a:solidFill>
-              <a:schemeClr val="tx1">
-                <a:lumMod val="50000"/>
-                <a:lumOff val="50000"/>
-              </a:schemeClr>
-            </a:solidFill>
-          </a:ln>
-        </p:spPr>
-        <p:style>
-          <a:lnRef idx="1">
-            <a:schemeClr val="accent1"/>
-          </a:lnRef>
-          <a:fillRef idx="0">
-            <a:schemeClr val="accent1"/>
-          </a:fillRef>
-          <a:effectRef idx="0">
-            <a:schemeClr val="accent1"/>
-          </a:effectRef>
-          <a:fontRef idx="minor">
-            <a:schemeClr val="tx1"/>
-          </a:fontRef>
-        </p:style>
-      </p:cxnSp>
-      <p:grpSp>
-        <p:nvGrpSpPr>
-          <p:cNvPr id="80" name="그룹 79"/>
-          <p:cNvGrpSpPr/>
-          <p:nvPr/>
-        </p:nvGrpSpPr>
-        <p:grpSpPr>
-          <a:xfrm>
-            <a:off x="5800363" y="4289090"/>
-            <a:ext cx="112636" cy="45719"/>
-            <a:chOff x="4084843" y="3796582"/>
-            <a:chExt cx="244521" cy="102998"/>
-          </a:xfrm>
-        </p:grpSpPr>
-        <p:cxnSp>
-          <p:nvCxnSpPr>
-            <p:cNvPr id="48" name="직선 연결선 47"/>
-            <p:cNvCxnSpPr/>
-            <p:nvPr/>
-          </p:nvCxnSpPr>
-          <p:spPr>
-            <a:xfrm flipV="1">
-              <a:off x="4084843" y="3796582"/>
-              <a:ext cx="129427" cy="102998"/>
-            </a:xfrm>
-            <a:prstGeom prst="line">
-              <a:avLst/>
-            </a:prstGeom>
-            <a:ln w="12700">
-              <a:solidFill>
-                <a:schemeClr val="tx1">
-                  <a:lumMod val="50000"/>
-                  <a:lumOff val="50000"/>
-                </a:schemeClr>
-              </a:solidFill>
-            </a:ln>
-          </p:spPr>
-          <p:style>
-            <a:lnRef idx="1">
-              <a:schemeClr val="accent1"/>
-            </a:lnRef>
-            <a:fillRef idx="0">
-              <a:schemeClr val="accent1"/>
-            </a:fillRef>
-            <a:effectRef idx="0">
-              <a:schemeClr val="accent1"/>
-            </a:effectRef>
-            <a:fontRef idx="minor">
-              <a:schemeClr val="tx1"/>
-            </a:fontRef>
-          </p:style>
-        </p:cxnSp>
-        <p:cxnSp>
-          <p:nvCxnSpPr>
-            <p:cNvPr id="107" name="직선 연결선 106"/>
-            <p:cNvCxnSpPr/>
-            <p:nvPr/>
-          </p:nvCxnSpPr>
-          <p:spPr>
-            <a:xfrm flipH="1" flipV="1">
-              <a:off x="4205098" y="3799713"/>
-              <a:ext cx="124266" cy="99867"/>
-            </a:xfrm>
-            <a:prstGeom prst="line">
-              <a:avLst/>
-            </a:prstGeom>
-            <a:ln w="12700">
-              <a:solidFill>
-                <a:schemeClr val="tx1">
-                  <a:lumMod val="50000"/>
-                  <a:lumOff val="50000"/>
-                </a:schemeClr>
-              </a:solidFill>
-            </a:ln>
-          </p:spPr>
-          <p:style>
-            <a:lnRef idx="1">
-              <a:schemeClr val="accent1"/>
-            </a:lnRef>
-            <a:fillRef idx="0">
-              <a:schemeClr val="accent1"/>
-            </a:fillRef>
-            <a:effectRef idx="0">
-              <a:schemeClr val="accent1"/>
-            </a:effectRef>
-            <a:fontRef idx="minor">
-              <a:schemeClr val="tx1"/>
-            </a:fontRef>
-          </p:style>
-        </p:cxnSp>
-      </p:grpSp>
-      <p:grpSp>
-        <p:nvGrpSpPr>
-          <p:cNvPr id="111" name="그룹 110"/>
-          <p:cNvGrpSpPr/>
-          <p:nvPr/>
-        </p:nvGrpSpPr>
-        <p:grpSpPr>
-          <a:xfrm flipV="1">
-            <a:off x="5800363" y="4394828"/>
-            <a:ext cx="112636" cy="52905"/>
-            <a:chOff x="4084843" y="3796582"/>
-            <a:chExt cx="244521" cy="102998"/>
-          </a:xfrm>
-        </p:grpSpPr>
-        <p:cxnSp>
-          <p:nvCxnSpPr>
-            <p:cNvPr id="112" name="직선 연결선 111"/>
-            <p:cNvCxnSpPr/>
-            <p:nvPr/>
-          </p:nvCxnSpPr>
-          <p:spPr>
-            <a:xfrm flipV="1">
-              <a:off x="4084843" y="3796582"/>
-              <a:ext cx="129427" cy="102998"/>
-            </a:xfrm>
-            <a:prstGeom prst="line">
-              <a:avLst/>
-            </a:prstGeom>
-            <a:ln w="12700">
-              <a:solidFill>
-                <a:schemeClr val="tx1">
-                  <a:lumMod val="50000"/>
-                  <a:lumOff val="50000"/>
-                </a:schemeClr>
-              </a:solidFill>
-            </a:ln>
-          </p:spPr>
-          <p:style>
-            <a:lnRef idx="1">
-              <a:schemeClr val="accent1"/>
-            </a:lnRef>
-            <a:fillRef idx="0">
-              <a:schemeClr val="accent1"/>
-            </a:fillRef>
-            <a:effectRef idx="0">
-              <a:schemeClr val="accent1"/>
-            </a:effectRef>
-            <a:fontRef idx="minor">
-              <a:schemeClr val="tx1"/>
-            </a:fontRef>
-          </p:style>
-        </p:cxnSp>
-        <p:cxnSp>
-          <p:nvCxnSpPr>
-            <p:cNvPr id="113" name="직선 연결선 112"/>
-            <p:cNvCxnSpPr/>
-            <p:nvPr/>
-          </p:nvCxnSpPr>
-          <p:spPr>
-            <a:xfrm flipH="1" flipV="1">
-              <a:off x="4205098" y="3799713"/>
-              <a:ext cx="124266" cy="99867"/>
-            </a:xfrm>
-            <a:prstGeom prst="line">
-              <a:avLst/>
-            </a:prstGeom>
-            <a:ln w="12700">
-              <a:solidFill>
-                <a:schemeClr val="tx1">
-                  <a:lumMod val="50000"/>
-                  <a:lumOff val="50000"/>
-                </a:schemeClr>
-              </a:solidFill>
-            </a:ln>
-          </p:spPr>
-          <p:style>
-            <a:lnRef idx="1">
-              <a:schemeClr val="accent1"/>
-            </a:lnRef>
-            <a:fillRef idx="0">
-              <a:schemeClr val="accent1"/>
-            </a:fillRef>
-            <a:effectRef idx="0">
-              <a:schemeClr val="accent1"/>
-            </a:effectRef>
-            <a:fontRef idx="minor">
-              <a:schemeClr val="tx1"/>
-            </a:fontRef>
-          </p:style>
-        </p:cxnSp>
-      </p:grpSp>
       <p:sp>
         <p:nvSpPr>
           <p:cNvPr id="114" name="TextBox 113"/>
@@ -12829,8 +14496,8 @@
         </p:nvSpPr>
         <p:spPr>
           <a:xfrm>
-            <a:off x="6010101" y="4254550"/>
-            <a:ext cx="801026" cy="253916"/>
+            <a:off x="5638432" y="4434444"/>
+            <a:ext cx="1165220" cy="246221"/>
           </a:xfrm>
           <a:prstGeom prst="rect">
             <a:avLst/>
@@ -12844,8 +14511,20 @@
           <a:lstStyle/>
           <a:p>
             <a:r>
+              <a:rPr lang="ko-KR" altLang="en-US" sz="1000" dirty="0" smtClean="0"/>
+              <a:t>총 </a:t>
+            </a:r>
+            <a:r>
               <a:rPr lang="ko-KR" altLang="en-US" sz="1000" smtClean="0"/>
-              <a:t>총 가격</a:t>
+              <a:t>가격 </a:t>
+            </a:r>
+            <a:r>
+              <a:rPr lang="en-US" altLang="ko-KR" sz="1000" dirty="0" smtClean="0"/>
+              <a:t>9,000</a:t>
+            </a:r>
+            <a:r>
+              <a:rPr lang="ko-KR" altLang="en-US" sz="1000" dirty="0" smtClean="0"/>
+              <a:t>원</a:t>
             </a:r>
             <a:endParaRPr lang="ko-KR" altLang="en-US" sz="1000" dirty="0"/>
           </a:p>
@@ -13407,6 +15086,75 @@
           </p:txBody>
         </p:sp>
       </p:grpSp>
+      <p:sp>
+        <p:nvSpPr>
+          <p:cNvPr id="50" name="모서리가 둥근 직사각형 49"/>
+          <p:cNvSpPr/>
+          <p:nvPr/>
+        </p:nvSpPr>
+        <p:spPr>
+          <a:xfrm>
+            <a:off x="6448202" y="4083256"/>
+            <a:ext cx="191658" cy="167341"/>
+          </a:xfrm>
+          <a:prstGeom prst="roundRect">
+            <a:avLst/>
+          </a:prstGeom>
+          <a:solidFill>
+            <a:schemeClr val="bg1"/>
+          </a:solidFill>
+          <a:ln>
+            <a:solidFill>
+              <a:schemeClr val="tx1">
+                <a:lumMod val="50000"/>
+                <a:lumOff val="50000"/>
+              </a:schemeClr>
+            </a:solidFill>
+          </a:ln>
+        </p:spPr>
+        <p:style>
+          <a:lnRef idx="2">
+            <a:schemeClr val="accent1">
+              <a:shade val="50000"/>
+            </a:schemeClr>
+          </a:lnRef>
+          <a:fillRef idx="1">
+            <a:schemeClr val="accent1"/>
+          </a:fillRef>
+          <a:effectRef idx="0">
+            <a:schemeClr val="accent1"/>
+          </a:effectRef>
+          <a:fontRef idx="minor">
+            <a:schemeClr val="lt1"/>
+          </a:fontRef>
+        </p:style>
+        <p:txBody>
+          <a:bodyPr rtlCol="0" anchor="ctr"/>
+          <a:lstStyle/>
+          <a:p>
+            <a:pPr algn="ctr"/>
+            <a:r>
+              <a:rPr lang="en-US" altLang="ko-KR" dirty="0" smtClean="0">
+                <a:solidFill>
+                  <a:schemeClr val="tx1">
+                    <a:lumMod val="65000"/>
+                    <a:lumOff val="35000"/>
+                  </a:schemeClr>
+                </a:solidFill>
+              </a:rPr>
+              <a:t>-</a:t>
+            </a:r>
+            <a:endParaRPr lang="ko-KR" altLang="en-US" dirty="0">
+              <a:solidFill>
+                <a:schemeClr val="tx1">
+                  <a:lumMod val="65000"/>
+                  <a:lumOff val="35000"/>
+                </a:schemeClr>
+              </a:solidFill>
+            </a:endParaRPr>
+          </a:p>
+        </p:txBody>
+      </p:sp>
     </p:spTree>
     <p:extLst>
       <p:ext uri="{BB962C8B-B14F-4D97-AF65-F5344CB8AC3E}">
